--- a/MAPP_Project_Presentation.pptx
+++ b/MAPP_Project_Presentation.pptx
@@ -4,22 +4,25 @@
   <p:sldMasterIdLst>
     <p:sldMasterId id="2147483648" r:id="rId1"/>
   </p:sldMasterIdLst>
+  <p:notesMasterIdLst>
+    <p:notesMasterId r:id="rId17"/>
+  </p:notesMasterIdLst>
   <p:sldIdLst>
     <p:sldId id="256" r:id="rId2"/>
     <p:sldId id="270" r:id="rId3"/>
     <p:sldId id="257" r:id="rId4"/>
     <p:sldId id="258" r:id="rId5"/>
-    <p:sldId id="259" r:id="rId6"/>
-    <p:sldId id="260" r:id="rId7"/>
-    <p:sldId id="262" r:id="rId8"/>
-    <p:sldId id="264" r:id="rId9"/>
-    <p:sldId id="265" r:id="rId10"/>
-    <p:sldId id="266" r:id="rId11"/>
-    <p:sldId id="271" r:id="rId12"/>
-    <p:sldId id="267" r:id="rId13"/>
-    <p:sldId id="272" r:id="rId14"/>
-    <p:sldId id="268" r:id="rId15"/>
-    <p:sldId id="263" r:id="rId16"/>
+    <p:sldId id="260" r:id="rId6"/>
+    <p:sldId id="262" r:id="rId7"/>
+    <p:sldId id="264" r:id="rId8"/>
+    <p:sldId id="265" r:id="rId9"/>
+    <p:sldId id="266" r:id="rId10"/>
+    <p:sldId id="271" r:id="rId11"/>
+    <p:sldId id="267" r:id="rId12"/>
+    <p:sldId id="272" r:id="rId13"/>
+    <p:sldId id="268" r:id="rId14"/>
+    <p:sldId id="263" r:id="rId15"/>
+    <p:sldId id="273" r:id="rId16"/>
   </p:sldIdLst>
   <p:sldSz cx="12192000" cy="6858000"/>
   <p:notesSz cx="6858000" cy="9144000"/>
@@ -126,6 +129,524 @@
 </p:presentation>
 </file>
 
+<file path=ppt/notesMasters/notesMaster1.xml><?xml version="1.0" encoding="utf-8"?>
+<p:notesMaster xmlns:a="http://schemas.openxmlformats.org/drawingml/2006/main" xmlns:r="http://schemas.openxmlformats.org/officeDocument/2006/relationships" xmlns:p="http://schemas.openxmlformats.org/presentationml/2006/main">
+  <p:cSld>
+    <p:bg>
+      <p:bgRef idx="1001">
+        <a:schemeClr val="bg1"/>
+      </p:bgRef>
+    </p:bg>
+    <p:spTree>
+      <p:nvGrpSpPr>
+        <p:cNvPr id="1" name=""/>
+        <p:cNvGrpSpPr/>
+        <p:nvPr/>
+      </p:nvGrpSpPr>
+      <p:grpSpPr>
+        <a:xfrm>
+          <a:off x="0" y="0"/>
+          <a:ext cx="0" cy="0"/>
+          <a:chOff x="0" y="0"/>
+          <a:chExt cx="0" cy="0"/>
+        </a:xfrm>
+      </p:grpSpPr>
+      <p:sp>
+        <p:nvSpPr>
+          <p:cNvPr id="2" name="Header Placeholder 1"/>
+          <p:cNvSpPr>
+            <a:spLocks noGrp="1"/>
+          </p:cNvSpPr>
+          <p:nvPr>
+            <p:ph type="hdr" sz="quarter"/>
+          </p:nvPr>
+        </p:nvSpPr>
+        <p:spPr>
+          <a:xfrm>
+            <a:off x="0" y="0"/>
+            <a:ext cx="2971800" cy="458788"/>
+          </a:xfrm>
+          <a:prstGeom prst="rect">
+            <a:avLst/>
+          </a:prstGeom>
+        </p:spPr>
+        <p:txBody>
+          <a:bodyPr vert="horz" lIns="91440" tIns="45720" rIns="91440" bIns="45720" rtlCol="0"/>
+          <a:lstStyle>
+            <a:lvl1pPr algn="l">
+              <a:defRPr sz="1200"/>
+            </a:lvl1pPr>
+          </a:lstStyle>
+          <a:p>
+            <a:endParaRPr lang="de-DE"/>
+          </a:p>
+        </p:txBody>
+      </p:sp>
+      <p:sp>
+        <p:nvSpPr>
+          <p:cNvPr id="3" name="Date Placeholder 2"/>
+          <p:cNvSpPr>
+            <a:spLocks noGrp="1"/>
+          </p:cNvSpPr>
+          <p:nvPr>
+            <p:ph type="dt" idx="1"/>
+          </p:nvPr>
+        </p:nvSpPr>
+        <p:spPr>
+          <a:xfrm>
+            <a:off x="3884613" y="0"/>
+            <a:ext cx="2971800" cy="458788"/>
+          </a:xfrm>
+          <a:prstGeom prst="rect">
+            <a:avLst/>
+          </a:prstGeom>
+        </p:spPr>
+        <p:txBody>
+          <a:bodyPr vert="horz" lIns="91440" tIns="45720" rIns="91440" bIns="45720" rtlCol="0"/>
+          <a:lstStyle>
+            <a:lvl1pPr algn="r">
+              <a:defRPr sz="1200"/>
+            </a:lvl1pPr>
+          </a:lstStyle>
+          <a:p>
+            <a:fld id="{87E84CF4-355B-42B9-9CEB-888E93D1D6A0}" type="datetimeFigureOut">
+              <a:rPr lang="de-DE" smtClean="0"/>
+              <a:t>30.03.2023</a:t>
+            </a:fld>
+            <a:endParaRPr lang="de-DE"/>
+          </a:p>
+        </p:txBody>
+      </p:sp>
+      <p:sp>
+        <p:nvSpPr>
+          <p:cNvPr id="4" name="Slide Image Placeholder 3"/>
+          <p:cNvSpPr>
+            <a:spLocks noGrp="1" noRot="1" noChangeAspect="1"/>
+          </p:cNvSpPr>
+          <p:nvPr>
+            <p:ph type="sldImg" idx="2"/>
+          </p:nvPr>
+        </p:nvSpPr>
+        <p:spPr>
+          <a:xfrm>
+            <a:off x="685800" y="1143000"/>
+            <a:ext cx="5486400" cy="3086100"/>
+          </a:xfrm>
+          <a:prstGeom prst="rect">
+            <a:avLst/>
+          </a:prstGeom>
+          <a:noFill/>
+          <a:ln w="12700">
+            <a:solidFill>
+              <a:prstClr val="black"/>
+            </a:solidFill>
+          </a:ln>
+        </p:spPr>
+        <p:txBody>
+          <a:bodyPr vert="horz" lIns="91440" tIns="45720" rIns="91440" bIns="45720" rtlCol="0" anchor="ctr"/>
+          <a:lstStyle/>
+          <a:p>
+            <a:endParaRPr lang="de-DE"/>
+          </a:p>
+        </p:txBody>
+      </p:sp>
+      <p:sp>
+        <p:nvSpPr>
+          <p:cNvPr id="5" name="Notes Placeholder 4"/>
+          <p:cNvSpPr>
+            <a:spLocks noGrp="1"/>
+          </p:cNvSpPr>
+          <p:nvPr>
+            <p:ph type="body" sz="quarter" idx="3"/>
+          </p:nvPr>
+        </p:nvSpPr>
+        <p:spPr>
+          <a:xfrm>
+            <a:off x="685800" y="4400550"/>
+            <a:ext cx="5486400" cy="3600450"/>
+          </a:xfrm>
+          <a:prstGeom prst="rect">
+            <a:avLst/>
+          </a:prstGeom>
+        </p:spPr>
+        <p:txBody>
+          <a:bodyPr vert="horz" lIns="91440" tIns="45720" rIns="91440" bIns="45720" rtlCol="0"/>
+          <a:lstStyle/>
+          <a:p>
+            <a:pPr lvl="0"/>
+            <a:r>
+              <a:rPr lang="en-US"/>
+              <a:t>Click to edit Master text styles</a:t>
+            </a:r>
+          </a:p>
+          <a:p>
+            <a:pPr lvl="1"/>
+            <a:r>
+              <a:rPr lang="en-US"/>
+              <a:t>Second level</a:t>
+            </a:r>
+          </a:p>
+          <a:p>
+            <a:pPr lvl="2"/>
+            <a:r>
+              <a:rPr lang="en-US"/>
+              <a:t>Third level</a:t>
+            </a:r>
+          </a:p>
+          <a:p>
+            <a:pPr lvl="3"/>
+            <a:r>
+              <a:rPr lang="en-US"/>
+              <a:t>Fourth level</a:t>
+            </a:r>
+          </a:p>
+          <a:p>
+            <a:pPr lvl="4"/>
+            <a:r>
+              <a:rPr lang="en-US"/>
+              <a:t>Fifth level</a:t>
+            </a:r>
+            <a:endParaRPr lang="de-DE"/>
+          </a:p>
+        </p:txBody>
+      </p:sp>
+      <p:sp>
+        <p:nvSpPr>
+          <p:cNvPr id="6" name="Footer Placeholder 5"/>
+          <p:cNvSpPr>
+            <a:spLocks noGrp="1"/>
+          </p:cNvSpPr>
+          <p:nvPr>
+            <p:ph type="ftr" sz="quarter" idx="4"/>
+          </p:nvPr>
+        </p:nvSpPr>
+        <p:spPr>
+          <a:xfrm>
+            <a:off x="0" y="8685213"/>
+            <a:ext cx="2971800" cy="458787"/>
+          </a:xfrm>
+          <a:prstGeom prst="rect">
+            <a:avLst/>
+          </a:prstGeom>
+        </p:spPr>
+        <p:txBody>
+          <a:bodyPr vert="horz" lIns="91440" tIns="45720" rIns="91440" bIns="45720" rtlCol="0" anchor="b"/>
+          <a:lstStyle>
+            <a:lvl1pPr algn="l">
+              <a:defRPr sz="1200"/>
+            </a:lvl1pPr>
+          </a:lstStyle>
+          <a:p>
+            <a:endParaRPr lang="de-DE"/>
+          </a:p>
+        </p:txBody>
+      </p:sp>
+      <p:sp>
+        <p:nvSpPr>
+          <p:cNvPr id="7" name="Slide Number Placeholder 6"/>
+          <p:cNvSpPr>
+            <a:spLocks noGrp="1"/>
+          </p:cNvSpPr>
+          <p:nvPr>
+            <p:ph type="sldNum" sz="quarter" idx="5"/>
+          </p:nvPr>
+        </p:nvSpPr>
+        <p:spPr>
+          <a:xfrm>
+            <a:off x="3884613" y="8685213"/>
+            <a:ext cx="2971800" cy="458787"/>
+          </a:xfrm>
+          <a:prstGeom prst="rect">
+            <a:avLst/>
+          </a:prstGeom>
+        </p:spPr>
+        <p:txBody>
+          <a:bodyPr vert="horz" lIns="91440" tIns="45720" rIns="91440" bIns="45720" rtlCol="0" anchor="b"/>
+          <a:lstStyle>
+            <a:lvl1pPr algn="r">
+              <a:defRPr sz="1200"/>
+            </a:lvl1pPr>
+          </a:lstStyle>
+          <a:p>
+            <a:fld id="{8F105C3B-F761-4D1C-8D67-EE9A2A63AC5C}" type="slidenum">
+              <a:rPr lang="de-DE" smtClean="0"/>
+              <a:t>‹#›</a:t>
+            </a:fld>
+            <a:endParaRPr lang="de-DE"/>
+          </a:p>
+        </p:txBody>
+      </p:sp>
+    </p:spTree>
+    <p:extLst>
+      <p:ext uri="{BB962C8B-B14F-4D97-AF65-F5344CB8AC3E}">
+        <p14:creationId xmlns:p14="http://schemas.microsoft.com/office/powerpoint/2010/main" val="2701816088"/>
+      </p:ext>
+    </p:extLst>
+  </p:cSld>
+  <p:clrMap bg1="lt1" tx1="dk1" bg2="lt2" tx2="dk2" accent1="accent1" accent2="accent2" accent3="accent3" accent4="accent4" accent5="accent5" accent6="accent6" hlink="hlink" folHlink="folHlink"/>
+  <p:notesStyle>
+    <a:lvl1pPr marL="0" algn="l" defTabSz="914400" rtl="0" eaLnBrk="1" latinLnBrk="0" hangingPunct="1">
+      <a:defRPr sz="1200" kern="1200">
+        <a:solidFill>
+          <a:schemeClr val="tx1"/>
+        </a:solidFill>
+        <a:latin typeface="+mn-lt"/>
+        <a:ea typeface="+mn-ea"/>
+        <a:cs typeface="+mn-cs"/>
+      </a:defRPr>
+    </a:lvl1pPr>
+    <a:lvl2pPr marL="457200" algn="l" defTabSz="914400" rtl="0" eaLnBrk="1" latinLnBrk="0" hangingPunct="1">
+      <a:defRPr sz="1200" kern="1200">
+        <a:solidFill>
+          <a:schemeClr val="tx1"/>
+        </a:solidFill>
+        <a:latin typeface="+mn-lt"/>
+        <a:ea typeface="+mn-ea"/>
+        <a:cs typeface="+mn-cs"/>
+      </a:defRPr>
+    </a:lvl2pPr>
+    <a:lvl3pPr marL="914400" algn="l" defTabSz="914400" rtl="0" eaLnBrk="1" latinLnBrk="0" hangingPunct="1">
+      <a:defRPr sz="1200" kern="1200">
+        <a:solidFill>
+          <a:schemeClr val="tx1"/>
+        </a:solidFill>
+        <a:latin typeface="+mn-lt"/>
+        <a:ea typeface="+mn-ea"/>
+        <a:cs typeface="+mn-cs"/>
+      </a:defRPr>
+    </a:lvl3pPr>
+    <a:lvl4pPr marL="1371600" algn="l" defTabSz="914400" rtl="0" eaLnBrk="1" latinLnBrk="0" hangingPunct="1">
+      <a:defRPr sz="1200" kern="1200">
+        <a:solidFill>
+          <a:schemeClr val="tx1"/>
+        </a:solidFill>
+        <a:latin typeface="+mn-lt"/>
+        <a:ea typeface="+mn-ea"/>
+        <a:cs typeface="+mn-cs"/>
+      </a:defRPr>
+    </a:lvl4pPr>
+    <a:lvl5pPr marL="1828800" algn="l" defTabSz="914400" rtl="0" eaLnBrk="1" latinLnBrk="0" hangingPunct="1">
+      <a:defRPr sz="1200" kern="1200">
+        <a:solidFill>
+          <a:schemeClr val="tx1"/>
+        </a:solidFill>
+        <a:latin typeface="+mn-lt"/>
+        <a:ea typeface="+mn-ea"/>
+        <a:cs typeface="+mn-cs"/>
+      </a:defRPr>
+    </a:lvl5pPr>
+    <a:lvl6pPr marL="2286000" algn="l" defTabSz="914400" rtl="0" eaLnBrk="1" latinLnBrk="0" hangingPunct="1">
+      <a:defRPr sz="1200" kern="1200">
+        <a:solidFill>
+          <a:schemeClr val="tx1"/>
+        </a:solidFill>
+        <a:latin typeface="+mn-lt"/>
+        <a:ea typeface="+mn-ea"/>
+        <a:cs typeface="+mn-cs"/>
+      </a:defRPr>
+    </a:lvl6pPr>
+    <a:lvl7pPr marL="2743200" algn="l" defTabSz="914400" rtl="0" eaLnBrk="1" latinLnBrk="0" hangingPunct="1">
+      <a:defRPr sz="1200" kern="1200">
+        <a:solidFill>
+          <a:schemeClr val="tx1"/>
+        </a:solidFill>
+        <a:latin typeface="+mn-lt"/>
+        <a:ea typeface="+mn-ea"/>
+        <a:cs typeface="+mn-cs"/>
+      </a:defRPr>
+    </a:lvl7pPr>
+    <a:lvl8pPr marL="3200400" algn="l" defTabSz="914400" rtl="0" eaLnBrk="1" latinLnBrk="0" hangingPunct="1">
+      <a:defRPr sz="1200" kern="1200">
+        <a:solidFill>
+          <a:schemeClr val="tx1"/>
+        </a:solidFill>
+        <a:latin typeface="+mn-lt"/>
+        <a:ea typeface="+mn-ea"/>
+        <a:cs typeface="+mn-cs"/>
+      </a:defRPr>
+    </a:lvl8pPr>
+    <a:lvl9pPr marL="3657600" algn="l" defTabSz="914400" rtl="0" eaLnBrk="1" latinLnBrk="0" hangingPunct="1">
+      <a:defRPr sz="1200" kern="1200">
+        <a:solidFill>
+          <a:schemeClr val="tx1"/>
+        </a:solidFill>
+        <a:latin typeface="+mn-lt"/>
+        <a:ea typeface="+mn-ea"/>
+        <a:cs typeface="+mn-cs"/>
+      </a:defRPr>
+    </a:lvl9pPr>
+  </p:notesStyle>
+</p:notesMaster>
+</file>
+
+<file path=ppt/notesSlides/notesSlide1.xml><?xml version="1.0" encoding="utf-8"?>
+<p:notes xmlns:a="http://schemas.openxmlformats.org/drawingml/2006/main" xmlns:r="http://schemas.openxmlformats.org/officeDocument/2006/relationships" xmlns:p="http://schemas.openxmlformats.org/presentationml/2006/main">
+  <p:cSld>
+    <p:spTree>
+      <p:nvGrpSpPr>
+        <p:cNvPr id="1" name=""/>
+        <p:cNvGrpSpPr/>
+        <p:nvPr/>
+      </p:nvGrpSpPr>
+      <p:grpSpPr>
+        <a:xfrm>
+          <a:off x="0" y="0"/>
+          <a:ext cx="0" cy="0"/>
+          <a:chOff x="0" y="0"/>
+          <a:chExt cx="0" cy="0"/>
+        </a:xfrm>
+      </p:grpSpPr>
+      <p:sp>
+        <p:nvSpPr>
+          <p:cNvPr id="2" name="Slide Image Placeholder 1"/>
+          <p:cNvSpPr>
+            <a:spLocks noGrp="1" noRot="1" noChangeAspect="1"/>
+          </p:cNvSpPr>
+          <p:nvPr>
+            <p:ph type="sldImg"/>
+          </p:nvPr>
+        </p:nvSpPr>
+        <p:spPr/>
+      </p:sp>
+      <p:sp>
+        <p:nvSpPr>
+          <p:cNvPr id="3" name="Notes Placeholder 2"/>
+          <p:cNvSpPr>
+            <a:spLocks noGrp="1"/>
+          </p:cNvSpPr>
+          <p:nvPr>
+            <p:ph type="body" idx="1"/>
+          </p:nvPr>
+        </p:nvSpPr>
+        <p:spPr/>
+        <p:txBody>
+          <a:bodyPr/>
+          <a:lstStyle/>
+          <a:p>
+            <a:endParaRPr lang="de-DE" dirty="0"/>
+          </a:p>
+        </p:txBody>
+      </p:sp>
+      <p:sp>
+        <p:nvSpPr>
+          <p:cNvPr id="4" name="Slide Number Placeholder 3"/>
+          <p:cNvSpPr>
+            <a:spLocks noGrp="1"/>
+          </p:cNvSpPr>
+          <p:nvPr>
+            <p:ph type="sldNum" sz="quarter" idx="5"/>
+          </p:nvPr>
+        </p:nvSpPr>
+        <p:spPr/>
+        <p:txBody>
+          <a:bodyPr/>
+          <a:lstStyle/>
+          <a:p>
+            <a:fld id="{8F105C3B-F761-4D1C-8D67-EE9A2A63AC5C}" type="slidenum">
+              <a:rPr lang="de-DE" smtClean="0"/>
+              <a:t>2</a:t>
+            </a:fld>
+            <a:endParaRPr lang="de-DE"/>
+          </a:p>
+        </p:txBody>
+      </p:sp>
+    </p:spTree>
+    <p:extLst>
+      <p:ext uri="{BB962C8B-B14F-4D97-AF65-F5344CB8AC3E}">
+        <p14:creationId xmlns:p14="http://schemas.microsoft.com/office/powerpoint/2010/main" val="222930869"/>
+      </p:ext>
+    </p:extLst>
+  </p:cSld>
+  <p:clrMapOvr>
+    <a:masterClrMapping/>
+  </p:clrMapOvr>
+</p:notes>
+</file>
+
+<file path=ppt/notesSlides/notesSlide2.xml><?xml version="1.0" encoding="utf-8"?>
+<p:notes xmlns:a="http://schemas.openxmlformats.org/drawingml/2006/main" xmlns:r="http://schemas.openxmlformats.org/officeDocument/2006/relationships" xmlns:p="http://schemas.openxmlformats.org/presentationml/2006/main">
+  <p:cSld>
+    <p:spTree>
+      <p:nvGrpSpPr>
+        <p:cNvPr id="1" name=""/>
+        <p:cNvGrpSpPr/>
+        <p:nvPr/>
+      </p:nvGrpSpPr>
+      <p:grpSpPr>
+        <a:xfrm>
+          <a:off x="0" y="0"/>
+          <a:ext cx="0" cy="0"/>
+          <a:chOff x="0" y="0"/>
+          <a:chExt cx="0" cy="0"/>
+        </a:xfrm>
+      </p:grpSpPr>
+      <p:sp>
+        <p:nvSpPr>
+          <p:cNvPr id="2" name="Slide Image Placeholder 1"/>
+          <p:cNvSpPr>
+            <a:spLocks noGrp="1" noRot="1" noChangeAspect="1"/>
+          </p:cNvSpPr>
+          <p:nvPr>
+            <p:ph type="sldImg"/>
+          </p:nvPr>
+        </p:nvSpPr>
+        <p:spPr/>
+      </p:sp>
+      <p:sp>
+        <p:nvSpPr>
+          <p:cNvPr id="3" name="Notes Placeholder 2"/>
+          <p:cNvSpPr>
+            <a:spLocks noGrp="1"/>
+          </p:cNvSpPr>
+          <p:nvPr>
+            <p:ph type="body" idx="1"/>
+          </p:nvPr>
+        </p:nvSpPr>
+        <p:spPr/>
+        <p:txBody>
+          <a:bodyPr/>
+          <a:lstStyle/>
+          <a:p>
+            <a:endParaRPr lang="de-DE" dirty="0"/>
+          </a:p>
+        </p:txBody>
+      </p:sp>
+      <p:sp>
+        <p:nvSpPr>
+          <p:cNvPr id="4" name="Slide Number Placeholder 3"/>
+          <p:cNvSpPr>
+            <a:spLocks noGrp="1"/>
+          </p:cNvSpPr>
+          <p:nvPr>
+            <p:ph type="sldNum" sz="quarter" idx="5"/>
+          </p:nvPr>
+        </p:nvSpPr>
+        <p:spPr/>
+        <p:txBody>
+          <a:bodyPr/>
+          <a:lstStyle/>
+          <a:p>
+            <a:fld id="{8F105C3B-F761-4D1C-8D67-EE9A2A63AC5C}" type="slidenum">
+              <a:rPr lang="de-DE" smtClean="0"/>
+              <a:t>3</a:t>
+            </a:fld>
+            <a:endParaRPr lang="de-DE"/>
+          </a:p>
+        </p:txBody>
+      </p:sp>
+    </p:spTree>
+    <p:extLst>
+      <p:ext uri="{BB962C8B-B14F-4D97-AF65-F5344CB8AC3E}">
+        <p14:creationId xmlns:p14="http://schemas.microsoft.com/office/powerpoint/2010/main" val="1095515227"/>
+      </p:ext>
+    </p:extLst>
+  </p:cSld>
+  <p:clrMapOvr>
+    <a:masterClrMapping/>
+  </p:clrMapOvr>
+</p:notes>
+</file>
+
 <file path=ppt/slideLayouts/slideLayout1.xml><?xml version="1.0" encoding="utf-8"?>
 <p:sldLayout xmlns:a="http://schemas.openxmlformats.org/drawingml/2006/main" xmlns:r="http://schemas.openxmlformats.org/officeDocument/2006/relationships" xmlns:p="http://schemas.openxmlformats.org/presentationml/2006/main" type="title" preserve="1">
   <p:cSld name="Titelfolie">
@@ -273,7 +794,7 @@
           <a:p>
             <a:fld id="{E65D89EE-70BB-4150-98E6-695022C0D1B2}" type="datetimeFigureOut">
               <a:rPr lang="de-DE" smtClean="0"/>
-              <a:t>29.03.2023</a:t>
+              <a:t>30.03.2023</a:t>
             </a:fld>
             <a:endParaRPr lang="de-DE"/>
           </a:p>
@@ -327,7 +848,7 @@
           <a:p>
             <a:fld id="{20D8D70E-C880-4586-BEE3-584C640896AA}" type="slidenum">
               <a:rPr lang="de-DE" smtClean="0"/>
-              <a:t>‹Nr.›</a:t>
+              <a:t>‹#›</a:t>
             </a:fld>
             <a:endParaRPr lang="de-DE"/>
           </a:p>
@@ -471,7 +992,7 @@
           <a:p>
             <a:fld id="{E65D89EE-70BB-4150-98E6-695022C0D1B2}" type="datetimeFigureOut">
               <a:rPr lang="de-DE" smtClean="0"/>
-              <a:t>29.03.2023</a:t>
+              <a:t>30.03.2023</a:t>
             </a:fld>
             <a:endParaRPr lang="de-DE"/>
           </a:p>
@@ -525,7 +1046,7 @@
           <a:p>
             <a:fld id="{20D8D70E-C880-4586-BEE3-584C640896AA}" type="slidenum">
               <a:rPr lang="de-DE" smtClean="0"/>
-              <a:t>‹Nr.›</a:t>
+              <a:t>‹#›</a:t>
             </a:fld>
             <a:endParaRPr lang="de-DE"/>
           </a:p>
@@ -679,7 +1200,7 @@
           <a:p>
             <a:fld id="{E65D89EE-70BB-4150-98E6-695022C0D1B2}" type="datetimeFigureOut">
               <a:rPr lang="de-DE" smtClean="0"/>
-              <a:t>29.03.2023</a:t>
+              <a:t>30.03.2023</a:t>
             </a:fld>
             <a:endParaRPr lang="de-DE"/>
           </a:p>
@@ -733,7 +1254,7 @@
           <a:p>
             <a:fld id="{20D8D70E-C880-4586-BEE3-584C640896AA}" type="slidenum">
               <a:rPr lang="de-DE" smtClean="0"/>
-              <a:t>‹Nr.›</a:t>
+              <a:t>‹#›</a:t>
             </a:fld>
             <a:endParaRPr lang="de-DE"/>
           </a:p>
@@ -877,7 +1398,7 @@
           <a:p>
             <a:fld id="{E65D89EE-70BB-4150-98E6-695022C0D1B2}" type="datetimeFigureOut">
               <a:rPr lang="de-DE" smtClean="0"/>
-              <a:t>29.03.2023</a:t>
+              <a:t>30.03.2023</a:t>
             </a:fld>
             <a:endParaRPr lang="de-DE"/>
           </a:p>
@@ -931,7 +1452,7 @@
           <a:p>
             <a:fld id="{20D8D70E-C880-4586-BEE3-584C640896AA}" type="slidenum">
               <a:rPr lang="de-DE" smtClean="0"/>
-              <a:t>‹Nr.›</a:t>
+              <a:t>‹#›</a:t>
             </a:fld>
             <a:endParaRPr lang="de-DE"/>
           </a:p>
@@ -1152,7 +1673,7 @@
           <a:p>
             <a:fld id="{E65D89EE-70BB-4150-98E6-695022C0D1B2}" type="datetimeFigureOut">
               <a:rPr lang="de-DE" smtClean="0"/>
-              <a:t>29.03.2023</a:t>
+              <a:t>30.03.2023</a:t>
             </a:fld>
             <a:endParaRPr lang="de-DE"/>
           </a:p>
@@ -1206,7 +1727,7 @@
           <a:p>
             <a:fld id="{20D8D70E-C880-4586-BEE3-584C640896AA}" type="slidenum">
               <a:rPr lang="de-DE" smtClean="0"/>
-              <a:t>‹Nr.›</a:t>
+              <a:t>‹#›</a:t>
             </a:fld>
             <a:endParaRPr lang="de-DE"/>
           </a:p>
@@ -1417,7 +1938,7 @@
           <a:p>
             <a:fld id="{E65D89EE-70BB-4150-98E6-695022C0D1B2}" type="datetimeFigureOut">
               <a:rPr lang="de-DE" smtClean="0"/>
-              <a:t>29.03.2023</a:t>
+              <a:t>30.03.2023</a:t>
             </a:fld>
             <a:endParaRPr lang="de-DE"/>
           </a:p>
@@ -1471,7 +1992,7 @@
           <a:p>
             <a:fld id="{20D8D70E-C880-4586-BEE3-584C640896AA}" type="slidenum">
               <a:rPr lang="de-DE" smtClean="0"/>
-              <a:t>‹Nr.›</a:t>
+              <a:t>‹#›</a:t>
             </a:fld>
             <a:endParaRPr lang="de-DE"/>
           </a:p>
@@ -1829,7 +2350,7 @@
           <a:p>
             <a:fld id="{E65D89EE-70BB-4150-98E6-695022C0D1B2}" type="datetimeFigureOut">
               <a:rPr lang="de-DE" smtClean="0"/>
-              <a:t>29.03.2023</a:t>
+              <a:t>30.03.2023</a:t>
             </a:fld>
             <a:endParaRPr lang="de-DE"/>
           </a:p>
@@ -1883,7 +2404,7 @@
           <a:p>
             <a:fld id="{20D8D70E-C880-4586-BEE3-584C640896AA}" type="slidenum">
               <a:rPr lang="de-DE" smtClean="0"/>
-              <a:t>‹Nr.›</a:t>
+              <a:t>‹#›</a:t>
             </a:fld>
             <a:endParaRPr lang="de-DE"/>
           </a:p>
@@ -1970,7 +2491,7 @@
           <a:p>
             <a:fld id="{E65D89EE-70BB-4150-98E6-695022C0D1B2}" type="datetimeFigureOut">
               <a:rPr lang="de-DE" smtClean="0"/>
-              <a:t>29.03.2023</a:t>
+              <a:t>30.03.2023</a:t>
             </a:fld>
             <a:endParaRPr lang="de-DE"/>
           </a:p>
@@ -2024,7 +2545,7 @@
           <a:p>
             <a:fld id="{20D8D70E-C880-4586-BEE3-584C640896AA}" type="slidenum">
               <a:rPr lang="de-DE" smtClean="0"/>
-              <a:t>‹Nr.›</a:t>
+              <a:t>‹#›</a:t>
             </a:fld>
             <a:endParaRPr lang="de-DE"/>
           </a:p>
@@ -2083,7 +2604,7 @@
           <a:p>
             <a:fld id="{E65D89EE-70BB-4150-98E6-695022C0D1B2}" type="datetimeFigureOut">
               <a:rPr lang="de-DE" smtClean="0"/>
-              <a:t>29.03.2023</a:t>
+              <a:t>30.03.2023</a:t>
             </a:fld>
             <a:endParaRPr lang="de-DE"/>
           </a:p>
@@ -2137,7 +2658,7 @@
           <a:p>
             <a:fld id="{20D8D70E-C880-4586-BEE3-584C640896AA}" type="slidenum">
               <a:rPr lang="de-DE" smtClean="0"/>
-              <a:t>‹Nr.›</a:t>
+              <a:t>‹#›</a:t>
             </a:fld>
             <a:endParaRPr lang="de-DE"/>
           </a:p>
@@ -2394,7 +2915,7 @@
           <a:p>
             <a:fld id="{E65D89EE-70BB-4150-98E6-695022C0D1B2}" type="datetimeFigureOut">
               <a:rPr lang="de-DE" smtClean="0"/>
-              <a:t>29.03.2023</a:t>
+              <a:t>30.03.2023</a:t>
             </a:fld>
             <a:endParaRPr lang="de-DE"/>
           </a:p>
@@ -2448,7 +2969,7 @@
           <a:p>
             <a:fld id="{20D8D70E-C880-4586-BEE3-584C640896AA}" type="slidenum">
               <a:rPr lang="de-DE" smtClean="0"/>
-              <a:t>‹Nr.›</a:t>
+              <a:t>‹#›</a:t>
             </a:fld>
             <a:endParaRPr lang="de-DE"/>
           </a:p>
@@ -2682,7 +3203,7 @@
           <a:p>
             <a:fld id="{E65D89EE-70BB-4150-98E6-695022C0D1B2}" type="datetimeFigureOut">
               <a:rPr lang="de-DE" smtClean="0"/>
-              <a:t>29.03.2023</a:t>
+              <a:t>30.03.2023</a:t>
             </a:fld>
             <a:endParaRPr lang="de-DE"/>
           </a:p>
@@ -2736,7 +3257,7 @@
           <a:p>
             <a:fld id="{20D8D70E-C880-4586-BEE3-584C640896AA}" type="slidenum">
               <a:rPr lang="de-DE" smtClean="0"/>
-              <a:t>‹Nr.›</a:t>
+              <a:t>‹#›</a:t>
             </a:fld>
             <a:endParaRPr lang="de-DE"/>
           </a:p>
@@ -2923,7 +3444,7 @@
           <a:p>
             <a:fld id="{E65D89EE-70BB-4150-98E6-695022C0D1B2}" type="datetimeFigureOut">
               <a:rPr lang="de-DE" smtClean="0"/>
-              <a:t>29.03.2023</a:t>
+              <a:t>30.03.2023</a:t>
             </a:fld>
             <a:endParaRPr lang="de-DE"/>
           </a:p>
@@ -3013,7 +3534,7 @@
           <a:p>
             <a:fld id="{20D8D70E-C880-4586-BEE3-584C640896AA}" type="slidenum">
               <a:rPr lang="de-DE" smtClean="0"/>
-              <a:t>‹Nr.›</a:t>
+              <a:t>‹#›</a:t>
             </a:fld>
             <a:endParaRPr lang="de-DE"/>
           </a:p>
@@ -3324,7 +3845,7 @@
 </file>
 
 <file path=ppt/slides/slide1.xml><?xml version="1.0" encoding="utf-8"?>
-<p:sld xmlns:a="http://schemas.openxmlformats.org/drawingml/2006/main" xmlns:r="http://schemas.openxmlformats.org/officeDocument/2006/relationships" xmlns:p="http://schemas.openxmlformats.org/presentationml/2006/main">
+<p:sld xmlns:a="http://schemas.openxmlformats.org/drawingml/2006/main" xmlns:r="http://schemas.openxmlformats.org/officeDocument/2006/relationships" xmlns:p="http://schemas.openxmlformats.org/presentationml/2006/main" show="0">
   <p:cSld>
     <p:spTree>
       <p:nvGrpSpPr>
@@ -3644,132 +4165,35 @@
             </a:br>
             <a:r>
               <a:rPr lang="de-DE" sz="3200" dirty="0" err="1"/>
-              <a:t>PettingZoo</a:t>
+              <a:t>Self</a:t>
+            </a:r>
+            <a:r>
+              <a:rPr lang="de-DE" sz="3200" dirty="0"/>
+              <a:t> Play</a:t>
             </a:r>
             <a:endParaRPr lang="de-DE" dirty="0"/>
           </a:p>
         </p:txBody>
       </p:sp>
-      <p:pic>
-        <p:nvPicPr>
-          <p:cNvPr id="13" name="Inhaltsplatzhalter 12">
-            <a:extLst>
-              <a:ext uri="{FF2B5EF4-FFF2-40B4-BE49-F238E27FC236}">
-                <a16:creationId xmlns:a16="http://schemas.microsoft.com/office/drawing/2014/main" id="{34092DA1-4DB7-1E45-B0FF-53A140FB88C7}"/>
-              </a:ext>
-            </a:extLst>
-          </p:cNvPr>
-          <p:cNvPicPr>
-            <a:picLocks noGrp="1" noChangeAspect="1"/>
-          </p:cNvPicPr>
+      <p:sp>
+        <p:nvSpPr>
+          <p:cNvPr id="11" name="Inhaltsplatzhalter 10">
+            <a:extLst>
+              <a:ext uri="{FF2B5EF4-FFF2-40B4-BE49-F238E27FC236}">
+                <a16:creationId xmlns:a16="http://schemas.microsoft.com/office/drawing/2014/main" id="{38C2434D-4EDE-B5EF-69A0-0DBEAA52AF54}"/>
+              </a:ext>
+            </a:extLst>
+          </p:cNvPr>
+          <p:cNvSpPr>
+            <a:spLocks noGrp="1"/>
+          </p:cNvSpPr>
           <p:nvPr>
             <p:ph idx="1"/>
           </p:nvPr>
-        </p:nvPicPr>
-        <p:blipFill>
-          <a:blip r:embed="rId2"/>
-          <a:stretch>
-            <a:fillRect/>
-          </a:stretch>
-        </p:blipFill>
+        </p:nvSpPr>
         <p:spPr>
           <a:xfrm>
-            <a:off x="838200" y="2474794"/>
-            <a:ext cx="10515600" cy="2362119"/>
-          </a:xfrm>
-        </p:spPr>
-      </p:pic>
-    </p:spTree>
-    <p:extLst>
-      <p:ext uri="{BB962C8B-B14F-4D97-AF65-F5344CB8AC3E}">
-        <p14:creationId xmlns:p14="http://schemas.microsoft.com/office/powerpoint/2010/main" val="3372185771"/>
-      </p:ext>
-    </p:extLst>
-  </p:cSld>
-  <p:clrMapOvr>
-    <a:masterClrMapping/>
-  </p:clrMapOvr>
-</p:sld>
-</file>
-
-<file path=ppt/slides/slide11.xml><?xml version="1.0" encoding="utf-8"?>
-<p:sld xmlns:a="http://schemas.openxmlformats.org/drawingml/2006/main" xmlns:r="http://schemas.openxmlformats.org/officeDocument/2006/relationships" xmlns:p="http://schemas.openxmlformats.org/presentationml/2006/main">
-  <p:cSld>
-    <p:spTree>
-      <p:nvGrpSpPr>
-        <p:cNvPr id="1" name=""/>
-        <p:cNvGrpSpPr/>
-        <p:nvPr/>
-      </p:nvGrpSpPr>
-      <p:grpSpPr>
-        <a:xfrm>
-          <a:off x="0" y="0"/>
-          <a:ext cx="0" cy="0"/>
-          <a:chOff x="0" y="0"/>
-          <a:chExt cx="0" cy="0"/>
-        </a:xfrm>
-      </p:grpSpPr>
-      <p:sp>
-        <p:nvSpPr>
-          <p:cNvPr id="2" name="Titel 1">
-            <a:extLst>
-              <a:ext uri="{FF2B5EF4-FFF2-40B4-BE49-F238E27FC236}">
-                <a16:creationId xmlns:a16="http://schemas.microsoft.com/office/drawing/2014/main" id="{FC69C5D6-EC21-95F9-1084-9BFDE4708C73}"/>
-              </a:ext>
-            </a:extLst>
-          </p:cNvPr>
-          <p:cNvSpPr>
-            <a:spLocks noGrp="1"/>
-          </p:cNvSpPr>
-          <p:nvPr>
-            <p:ph type="title"/>
-          </p:nvPr>
-        </p:nvSpPr>
-        <p:spPr/>
-        <p:txBody>
-          <a:bodyPr>
-            <a:normAutofit/>
-          </a:bodyPr>
-          <a:lstStyle/>
-          <a:p>
-            <a:r>
-              <a:rPr lang="en-US" b="1" cap="all" dirty="0"/>
-              <a:t>Extend Model to Multi-Agent RL</a:t>
-            </a:r>
-            <a:br>
-              <a:rPr lang="de-DE" dirty="0"/>
-            </a:br>
-            <a:r>
-              <a:rPr lang="de-DE" sz="3200" dirty="0" err="1"/>
-              <a:t>Self</a:t>
-            </a:r>
-            <a:r>
-              <a:rPr lang="de-DE" sz="3200" dirty="0"/>
-              <a:t> Play</a:t>
-            </a:r>
-            <a:endParaRPr lang="de-DE" dirty="0"/>
-          </a:p>
-        </p:txBody>
-      </p:sp>
-      <p:sp>
-        <p:nvSpPr>
-          <p:cNvPr id="11" name="Inhaltsplatzhalter 10">
-            <a:extLst>
-              <a:ext uri="{FF2B5EF4-FFF2-40B4-BE49-F238E27FC236}">
-                <a16:creationId xmlns:a16="http://schemas.microsoft.com/office/drawing/2014/main" id="{38C2434D-4EDE-B5EF-69A0-0DBEAA52AF54}"/>
-              </a:ext>
-            </a:extLst>
-          </p:cNvPr>
-          <p:cNvSpPr>
-            <a:spLocks noGrp="1"/>
-          </p:cNvSpPr>
-          <p:nvPr>
-            <p:ph idx="1"/>
-          </p:nvPr>
-        </p:nvSpPr>
-        <p:spPr>
-          <a:xfrm>
-            <a:off x="454152" y="1990217"/>
+            <a:off x="838200" y="1990217"/>
             <a:ext cx="5641848" cy="4351338"/>
           </a:xfrm>
         </p:spPr>
@@ -3908,7 +4332,7 @@
         </p:nvSpPr>
         <p:spPr>
           <a:xfrm>
-            <a:off x="6096000" y="1990217"/>
+            <a:off x="5791200" y="1994616"/>
             <a:ext cx="5849112" cy="4351338"/>
           </a:xfrm>
           <a:prstGeom prst="rect">
@@ -4255,6 +4679,109 @@
 </p:sld>
 </file>
 
+<file path=ppt/slides/slide11.xml><?xml version="1.0" encoding="utf-8"?>
+<p:sld xmlns:a="http://schemas.openxmlformats.org/drawingml/2006/main" xmlns:r="http://schemas.openxmlformats.org/officeDocument/2006/relationships" xmlns:p="http://schemas.openxmlformats.org/presentationml/2006/main">
+  <p:cSld>
+    <p:spTree>
+      <p:nvGrpSpPr>
+        <p:cNvPr id="1" name=""/>
+        <p:cNvGrpSpPr/>
+        <p:nvPr/>
+      </p:nvGrpSpPr>
+      <p:grpSpPr>
+        <a:xfrm>
+          <a:off x="0" y="0"/>
+          <a:ext cx="0" cy="0"/>
+          <a:chOff x="0" y="0"/>
+          <a:chExt cx="0" cy="0"/>
+        </a:xfrm>
+      </p:grpSpPr>
+      <p:sp>
+        <p:nvSpPr>
+          <p:cNvPr id="2" name="Titel 1">
+            <a:extLst>
+              <a:ext uri="{FF2B5EF4-FFF2-40B4-BE49-F238E27FC236}">
+                <a16:creationId xmlns:a16="http://schemas.microsoft.com/office/drawing/2014/main" id="{FC69C5D6-EC21-95F9-1084-9BFDE4708C73}"/>
+              </a:ext>
+            </a:extLst>
+          </p:cNvPr>
+          <p:cNvSpPr>
+            <a:spLocks noGrp="1"/>
+          </p:cNvSpPr>
+          <p:nvPr>
+            <p:ph type="title"/>
+          </p:nvPr>
+        </p:nvSpPr>
+        <p:spPr/>
+        <p:txBody>
+          <a:bodyPr>
+            <a:normAutofit/>
+          </a:bodyPr>
+          <a:lstStyle/>
+          <a:p>
+            <a:r>
+              <a:rPr lang="en-US" b="1" cap="all" dirty="0"/>
+              <a:t>RESULTS</a:t>
+            </a:r>
+            <a:br>
+              <a:rPr lang="de-DE" dirty="0"/>
+            </a:br>
+            <a:r>
+              <a:rPr lang="de-DE" sz="3200" dirty="0"/>
+              <a:t>Single-Agent</a:t>
+            </a:r>
+            <a:endParaRPr lang="de-DE" dirty="0"/>
+          </a:p>
+        </p:txBody>
+      </p:sp>
+      <p:pic>
+        <p:nvPicPr>
+          <p:cNvPr id="4" name="Inhaltsplatzhalter 3" descr="Ein Bild, das Diagramm enthält.&#10;&#10;Automatisch generierte Beschreibung">
+            <a:extLst>
+              <a:ext uri="{FF2B5EF4-FFF2-40B4-BE49-F238E27FC236}">
+                <a16:creationId xmlns:a16="http://schemas.microsoft.com/office/drawing/2014/main" id="{B3BA93E6-2E76-7067-4827-9C4E21A00733}"/>
+              </a:ext>
+            </a:extLst>
+          </p:cNvPr>
+          <p:cNvPicPr>
+            <a:picLocks noGrp="1" noChangeAspect="1"/>
+          </p:cNvPicPr>
+          <p:nvPr>
+            <p:ph idx="1"/>
+          </p:nvPr>
+        </p:nvPicPr>
+        <p:blipFill>
+          <a:blip r:embed="rId2">
+            <a:extLst>
+              <a:ext uri="{28A0092B-C50C-407E-A947-70E740481C1C}">
+                <a14:useLocalDpi xmlns:a14="http://schemas.microsoft.com/office/drawing/2010/main" val="0"/>
+              </a:ext>
+            </a:extLst>
+          </a:blip>
+          <a:stretch>
+            <a:fillRect/>
+          </a:stretch>
+        </p:blipFill>
+        <p:spPr>
+          <a:xfrm>
+            <a:off x="1625767" y="1690688"/>
+            <a:ext cx="8940466" cy="4844983"/>
+          </a:xfrm>
+        </p:spPr>
+      </p:pic>
+    </p:spTree>
+    <p:extLst>
+      <p:ext uri="{BB962C8B-B14F-4D97-AF65-F5344CB8AC3E}">
+        <p14:creationId xmlns:p14="http://schemas.microsoft.com/office/powerpoint/2010/main" val="3051589061"/>
+      </p:ext>
+    </p:extLst>
+  </p:cSld>
+  <p:clrMapOvr>
+    <a:masterClrMapping/>
+  </p:clrMapOvr>
+</p:sld>
+</file>
+
 <file path=ppt/slides/slide12.xml><?xml version="1.0" encoding="utf-8"?>
 <p:sld xmlns:a="http://schemas.openxmlformats.org/drawingml/2006/main" xmlns:r="http://schemas.openxmlformats.org/officeDocument/2006/relationships" xmlns:p="http://schemas.openxmlformats.org/presentationml/2006/main">
   <p:cSld>
@@ -4304,7 +4831,7 @@
             </a:br>
             <a:r>
               <a:rPr lang="de-DE" sz="3200" dirty="0"/>
-              <a:t>single-agent</a:t>
+              <a:t>Multi-Agent</a:t>
             </a:r>
             <a:endParaRPr lang="de-DE" dirty="0"/>
           </a:p>
@@ -4312,10 +4839,10 @@
       </p:sp>
       <p:pic>
         <p:nvPicPr>
-          <p:cNvPr id="4" name="Inhaltsplatzhalter 3" descr="Ein Bild, das Diagramm enthält.&#10;&#10;Automatisch generierte Beschreibung">
-            <a:extLst>
-              <a:ext uri="{FF2B5EF4-FFF2-40B4-BE49-F238E27FC236}">
-                <a16:creationId xmlns:a16="http://schemas.microsoft.com/office/drawing/2014/main" id="{B3BA93E6-2E76-7067-4827-9C4E21A00733}"/>
+          <p:cNvPr id="7" name="Inhaltsplatzhalter 6" descr="Ein Bild, das Diagramm enthält.&#10;&#10;Automatisch generierte Beschreibung">
+            <a:extLst>
+              <a:ext uri="{FF2B5EF4-FFF2-40B4-BE49-F238E27FC236}">
+                <a16:creationId xmlns:a16="http://schemas.microsoft.com/office/drawing/2014/main" id="{01CE89A0-8EAF-D2DF-F7B6-D104A2D4C841}"/>
               </a:ext>
             </a:extLst>
           </p:cNvPr>
@@ -4340,15 +4867,15 @@
         </p:blipFill>
         <p:spPr>
           <a:xfrm>
-            <a:off x="1625767" y="1690688"/>
-            <a:ext cx="8940466" cy="4844983"/>
+            <a:off x="1612200" y="1690688"/>
+            <a:ext cx="8849906" cy="4802187"/>
           </a:xfrm>
         </p:spPr>
       </p:pic>
     </p:spTree>
     <p:extLst>
       <p:ext uri="{BB962C8B-B14F-4D97-AF65-F5344CB8AC3E}">
-        <p14:creationId xmlns:p14="http://schemas.microsoft.com/office/powerpoint/2010/main" val="3051589061"/>
+        <p14:creationId xmlns:p14="http://schemas.microsoft.com/office/powerpoint/2010/main" val="1465105798"/>
       </p:ext>
     </p:extLst>
   </p:cSld>
@@ -4407,51 +4934,71 @@
             </a:br>
             <a:r>
               <a:rPr lang="de-DE" sz="3200" dirty="0"/>
-              <a:t>multi-agent</a:t>
+              <a:t>Troubleshooting</a:t>
             </a:r>
             <a:endParaRPr lang="de-DE" dirty="0"/>
           </a:p>
         </p:txBody>
       </p:sp>
-      <p:pic>
-        <p:nvPicPr>
-          <p:cNvPr id="7" name="Inhaltsplatzhalter 6" descr="Ein Bild, das Diagramm enthält.&#10;&#10;Automatisch generierte Beschreibung">
-            <a:extLst>
-              <a:ext uri="{FF2B5EF4-FFF2-40B4-BE49-F238E27FC236}">
-                <a16:creationId xmlns:a16="http://schemas.microsoft.com/office/drawing/2014/main" id="{01CE89A0-8EAF-D2DF-F7B6-D104A2D4C841}"/>
-              </a:ext>
-            </a:extLst>
-          </p:cNvPr>
-          <p:cNvPicPr>
-            <a:picLocks noGrp="1" noChangeAspect="1"/>
-          </p:cNvPicPr>
+      <p:sp>
+        <p:nvSpPr>
+          <p:cNvPr id="11" name="Inhaltsplatzhalter 10">
+            <a:extLst>
+              <a:ext uri="{FF2B5EF4-FFF2-40B4-BE49-F238E27FC236}">
+                <a16:creationId xmlns:a16="http://schemas.microsoft.com/office/drawing/2014/main" id="{38C2434D-4EDE-B5EF-69A0-0DBEAA52AF54}"/>
+              </a:ext>
+            </a:extLst>
+          </p:cNvPr>
+          <p:cNvSpPr>
+            <a:spLocks noGrp="1"/>
+          </p:cNvSpPr>
           <p:nvPr>
             <p:ph idx="1"/>
           </p:nvPr>
-        </p:nvPicPr>
-        <p:blipFill>
-          <a:blip r:embed="rId2">
-            <a:extLst>
-              <a:ext uri="{28A0092B-C50C-407E-A947-70E740481C1C}">
-                <a14:useLocalDpi xmlns:a14="http://schemas.microsoft.com/office/drawing/2010/main" val="0"/>
-              </a:ext>
-            </a:extLst>
-          </a:blip>
-          <a:stretch>
-            <a:fillRect/>
-          </a:stretch>
-        </p:blipFill>
+        </p:nvSpPr>
         <p:spPr>
           <a:xfrm>
-            <a:off x="1612200" y="1626824"/>
-            <a:ext cx="8967600" cy="4866051"/>
+            <a:off x="838200" y="2141537"/>
+            <a:ext cx="10515600" cy="4351338"/>
           </a:xfrm>
         </p:spPr>
-      </p:pic>
+        <p:txBody>
+          <a:bodyPr/>
+          <a:lstStyle/>
+          <a:p>
+            <a:r>
+              <a:rPr lang="en-US" dirty="0"/>
+              <a:t>Hyperparameter (especially ERP size)</a:t>
+            </a:r>
+          </a:p>
+          <a:p>
+            <a:endParaRPr lang="en-US" dirty="0"/>
+          </a:p>
+          <a:p>
+            <a:r>
+              <a:rPr lang="en-US" dirty="0"/>
+              <a:t>Network Architecture (Pooling layers)</a:t>
+            </a:r>
+          </a:p>
+          <a:p>
+            <a:endParaRPr lang="en-US" dirty="0"/>
+          </a:p>
+          <a:p>
+            <a:r>
+              <a:rPr lang="en-US" dirty="0" err="1"/>
+              <a:t>Datastructure</a:t>
+            </a:r>
+            <a:r>
+              <a:rPr lang="en-US" dirty="0"/>
+              <a:t> of the ERP and training data</a:t>
+            </a:r>
+          </a:p>
+        </p:txBody>
+      </p:sp>
     </p:spTree>
     <p:extLst>
       <p:ext uri="{BB962C8B-B14F-4D97-AF65-F5344CB8AC3E}">
-        <p14:creationId xmlns:p14="http://schemas.microsoft.com/office/powerpoint/2010/main" val="1465105798"/>
+        <p14:creationId xmlns:p14="http://schemas.microsoft.com/office/powerpoint/2010/main" val="3284141996"/>
       </p:ext>
     </p:extLst>
   </p:cSld>
@@ -4480,10 +5027,10 @@
       </p:grpSpPr>
       <p:sp>
         <p:nvSpPr>
-          <p:cNvPr id="2" name="Titel 1">
-            <a:extLst>
-              <a:ext uri="{FF2B5EF4-FFF2-40B4-BE49-F238E27FC236}">
-                <a16:creationId xmlns:a16="http://schemas.microsoft.com/office/drawing/2014/main" id="{FC69C5D6-EC21-95F9-1084-9BFDE4708C73}"/>
+          <p:cNvPr id="3" name="Titel 2">
+            <a:extLst>
+              <a:ext uri="{FF2B5EF4-FFF2-40B4-BE49-F238E27FC236}">
+                <a16:creationId xmlns:a16="http://schemas.microsoft.com/office/drawing/2014/main" id="{57760B02-4752-CB18-31FA-8114BF701533}"/>
               </a:ext>
             </a:extLst>
           </p:cNvPr>
@@ -4492,6 +5039,38 @@
           </p:cNvSpPr>
           <p:nvPr>
             <p:ph type="title"/>
+          </p:nvPr>
+        </p:nvSpPr>
+        <p:spPr/>
+        <p:txBody>
+          <a:bodyPr/>
+          <a:lstStyle/>
+          <a:p>
+            <a:r>
+              <a:rPr lang="de-DE" b="1" dirty="0"/>
+              <a:t>REFERENCES</a:t>
+            </a:r>
+            <a:br>
+              <a:rPr lang="de-DE" dirty="0"/>
+            </a:br>
+            <a:endParaRPr lang="de-DE" dirty="0"/>
+          </a:p>
+        </p:txBody>
+      </p:sp>
+      <p:sp>
+        <p:nvSpPr>
+          <p:cNvPr id="4" name="Inhaltsplatzhalter 3">
+            <a:extLst>
+              <a:ext uri="{FF2B5EF4-FFF2-40B4-BE49-F238E27FC236}">
+                <a16:creationId xmlns:a16="http://schemas.microsoft.com/office/drawing/2014/main" id="{E0BAD1CC-D27B-9824-9843-8EE2DA543F72}"/>
+              </a:ext>
+            </a:extLst>
+          </p:cNvPr>
+          <p:cNvSpPr>
+            <a:spLocks noGrp="1"/>
+          </p:cNvSpPr>
+          <p:nvPr>
+            <p:ph idx="1"/>
           </p:nvPr>
         </p:nvSpPr>
         <p:spPr/>
@@ -4501,189 +5080,125 @@
           </a:bodyPr>
           <a:lstStyle/>
           <a:p>
-            <a:r>
-              <a:rPr lang="en-US" b="1" cap="all" dirty="0"/>
-              <a:t>RESULTS</a:t>
+            <a:pPr marL="0" indent="0">
+              <a:buNone/>
+            </a:pPr>
+            <a:r>
+              <a:rPr lang="de-DE" sz="1600" dirty="0"/>
+              <a:t>[1]	</a:t>
+            </a:r>
+            <a:r>
+              <a:rPr lang="de-DE" sz="1600" dirty="0">
+                <a:hlinkClick r:id="rId2"/>
+              </a:rPr>
+              <a:t>https://www.sfgate.com/local/article/bay-area-roots-pong-atari-17824939.php</a:t>
+            </a:r>
+            <a:endParaRPr lang="de-DE" sz="1600" dirty="0"/>
+          </a:p>
+          <a:p>
+            <a:pPr marL="0" indent="0">
+              <a:buNone/>
+            </a:pPr>
+            <a:r>
+              <a:rPr lang="de-DE" sz="1600" dirty="0"/>
+              <a:t>[2]	</a:t>
+            </a:r>
+            <a:r>
+              <a:rPr lang="de-DE" sz="1600" dirty="0">
+                <a:hlinkClick r:id="rId3"/>
+              </a:rPr>
+              <a:t>https://github.com/Farama-Foundation/Gymnasium</a:t>
+            </a:r>
+            <a:endParaRPr lang="de-DE" sz="1600" dirty="0"/>
+          </a:p>
+          <a:p>
+            <a:pPr marL="0" indent="0">
+              <a:buNone/>
+            </a:pPr>
+            <a:r>
+              <a:rPr lang="de-DE" sz="1600" dirty="0"/>
+              <a:t>[3]	</a:t>
+            </a:r>
+            <a:r>
+              <a:rPr lang="de-DE" sz="1600" dirty="0">
+                <a:hlinkClick r:id="rId4"/>
+              </a:rPr>
+              <a:t>https://github.com/Farama-Foundation/PettingZoo</a:t>
+            </a:r>
+            <a:r>
+              <a:rPr lang="de-DE" sz="1600" dirty="0"/>
+              <a:t> </a:t>
+            </a:r>
+          </a:p>
+          <a:p>
+            <a:pPr marL="0" indent="0">
+              <a:buNone/>
+            </a:pPr>
+            <a:r>
+              <a:rPr lang="de-DE" sz="1600" dirty="0"/>
+              <a:t>[4]	</a:t>
+            </a:r>
+            <a:r>
+              <a:rPr lang="de-DE" sz="1600" dirty="0">
+                <a:hlinkClick r:id="rId5"/>
+              </a:rPr>
+              <a:t>https://www.novatec-gmbh.de/en/blog/deep-q-networks/</a:t>
+            </a:r>
+            <a:endParaRPr lang="de-DE" sz="1600" dirty="0"/>
+          </a:p>
+          <a:p>
+            <a:pPr marL="0" indent="0">
+              <a:buNone/>
+            </a:pPr>
+            <a:r>
+              <a:rPr lang="de-DE" sz="1600" dirty="0"/>
+              <a:t>[5]	</a:t>
+            </a:r>
+            <a:r>
+              <a:rPr lang="en-US" sz="1600" dirty="0"/>
+              <a:t>V. </a:t>
+            </a:r>
+            <a:r>
+              <a:rPr lang="en-US" sz="1600" dirty="0" err="1"/>
+              <a:t>Mnih</a:t>
+            </a:r>
+            <a:r>
+              <a:rPr lang="en-US" sz="1600" dirty="0"/>
+              <a:t>, K. </a:t>
+            </a:r>
+            <a:r>
+              <a:rPr lang="en-US" sz="1600" dirty="0" err="1"/>
+              <a:t>Kavukcuoglu</a:t>
+            </a:r>
+            <a:r>
+              <a:rPr lang="en-US" sz="1600" dirty="0"/>
+              <a:t>, and D. e. a. Silver, “Human-level control through deep reinforcement learning,” Nature</a:t>
             </a:r>
             <a:br>
-              <a:rPr lang="de-DE" dirty="0"/>
+              <a:rPr lang="en-US" sz="1600" dirty="0"/>
             </a:br>
             <a:r>
-              <a:rPr lang="de-DE" sz="3200" dirty="0"/>
-              <a:t>Troubleshooting</a:t>
-            </a:r>
-            <a:endParaRPr lang="de-DE" dirty="0"/>
-          </a:p>
-        </p:txBody>
-      </p:sp>
-      <p:sp>
-        <p:nvSpPr>
-          <p:cNvPr id="11" name="Inhaltsplatzhalter 10">
-            <a:extLst>
-              <a:ext uri="{FF2B5EF4-FFF2-40B4-BE49-F238E27FC236}">
-                <a16:creationId xmlns:a16="http://schemas.microsoft.com/office/drawing/2014/main" id="{38C2434D-4EDE-B5EF-69A0-0DBEAA52AF54}"/>
-              </a:ext>
-            </a:extLst>
-          </p:cNvPr>
-          <p:cNvSpPr>
-            <a:spLocks noGrp="1"/>
-          </p:cNvSpPr>
-          <p:nvPr>
-            <p:ph idx="1"/>
-          </p:nvPr>
-        </p:nvSpPr>
-        <p:spPr>
-          <a:xfrm>
-            <a:off x="838200" y="2141537"/>
-            <a:ext cx="10515600" cy="4351338"/>
-          </a:xfrm>
-        </p:spPr>
-        <p:txBody>
-          <a:bodyPr/>
-          <a:lstStyle/>
-          <a:p>
-            <a:r>
-              <a:rPr lang="de-DE" dirty="0"/>
-              <a:t>Hyperparameter (</a:t>
-            </a:r>
-            <a:r>
-              <a:rPr lang="de-DE" dirty="0" err="1"/>
-              <a:t>especially</a:t>
-            </a:r>
-            <a:r>
-              <a:rPr lang="de-DE" dirty="0"/>
-              <a:t> ERP </a:t>
-            </a:r>
-            <a:r>
-              <a:rPr lang="de-DE" dirty="0" err="1"/>
-              <a:t>size</a:t>
-            </a:r>
-            <a:r>
-              <a:rPr lang="de-DE" dirty="0"/>
-              <a:t>)</a:t>
-            </a:r>
-          </a:p>
-          <a:p>
-            <a:endParaRPr lang="de-DE" dirty="0"/>
-          </a:p>
-          <a:p>
-            <a:r>
-              <a:rPr lang="de-DE" dirty="0"/>
-              <a:t>Network Architecture (Pooling </a:t>
-            </a:r>
-            <a:r>
-              <a:rPr lang="de-DE" dirty="0" err="1"/>
-              <a:t>layers</a:t>
-            </a:r>
-            <a:r>
-              <a:rPr lang="de-DE" dirty="0"/>
-              <a:t>)</a:t>
-            </a:r>
-          </a:p>
-          <a:p>
-            <a:endParaRPr lang="de-DE" dirty="0"/>
-          </a:p>
-          <a:p>
-            <a:r>
-              <a:rPr lang="de-DE" dirty="0" err="1"/>
-              <a:t>Datastructure</a:t>
-            </a:r>
-            <a:r>
-              <a:rPr lang="de-DE" dirty="0"/>
+              <a:rPr lang="en-US" sz="1600" dirty="0"/>
+              <a:t>	518, 529–533 (2015), 2015. DOI: </a:t>
+            </a:r>
+            <a:r>
+              <a:rPr lang="en-US" sz="1600" dirty="0">
+                <a:hlinkClick r:id="rId6"/>
+              </a:rPr>
+              <a:t>https://doi.org/10.1038/nature14236</a:t>
+            </a:r>
+            <a:r>
+              <a:rPr lang="en-US" sz="1600" dirty="0"/>
               <a:t> </a:t>
             </a:r>
-            <a:r>
-              <a:rPr lang="de-DE" dirty="0" err="1"/>
-              <a:t>of</a:t>
-            </a:r>
-            <a:r>
-              <a:rPr lang="de-DE" dirty="0"/>
-              <a:t> </a:t>
-            </a:r>
-            <a:r>
-              <a:rPr lang="de-DE" dirty="0" err="1"/>
-              <a:t>the</a:t>
-            </a:r>
-            <a:r>
-              <a:rPr lang="de-DE" dirty="0"/>
-              <a:t> ERP and </a:t>
-            </a:r>
-            <a:r>
-              <a:rPr lang="de-DE" dirty="0" err="1"/>
-              <a:t>training</a:t>
-            </a:r>
-            <a:r>
-              <a:rPr lang="de-DE" dirty="0"/>
-              <a:t> </a:t>
-            </a:r>
-            <a:r>
-              <a:rPr lang="de-DE" dirty="0" err="1"/>
-              <a:t>data</a:t>
-            </a:r>
-            <a:endParaRPr lang="de-DE" dirty="0"/>
-          </a:p>
-          <a:p>
-            <a:pPr lvl="1"/>
-            <a:r>
-              <a:rPr lang="de-DE" dirty="0" err="1"/>
-              <a:t>Storing</a:t>
-            </a:r>
-            <a:r>
-              <a:rPr lang="de-DE" dirty="0"/>
-              <a:t> </a:t>
-            </a:r>
-            <a:r>
-              <a:rPr lang="de-DE" dirty="0" err="1"/>
-              <a:t>as</a:t>
-            </a:r>
-            <a:r>
-              <a:rPr lang="de-DE" dirty="0"/>
-              <a:t> </a:t>
-            </a:r>
-            <a:r>
-              <a:rPr lang="de-DE" dirty="0" err="1"/>
-              <a:t>numpy</a:t>
-            </a:r>
-            <a:r>
-              <a:rPr lang="de-DE" dirty="0"/>
-              <a:t> </a:t>
-            </a:r>
-            <a:r>
-              <a:rPr lang="de-DE" dirty="0" err="1"/>
-              <a:t>array</a:t>
-            </a:r>
-            <a:r>
-              <a:rPr lang="de-DE" dirty="0"/>
-              <a:t> but </a:t>
-            </a:r>
-            <a:r>
-              <a:rPr lang="de-DE" dirty="0" err="1"/>
-              <a:t>training</a:t>
-            </a:r>
-            <a:r>
-              <a:rPr lang="de-DE" dirty="0"/>
-              <a:t> </a:t>
-            </a:r>
-            <a:r>
-              <a:rPr lang="de-DE" dirty="0" err="1"/>
-              <a:t>as</a:t>
-            </a:r>
-            <a:r>
-              <a:rPr lang="de-DE" dirty="0"/>
-              <a:t> </a:t>
-            </a:r>
-            <a:r>
-              <a:rPr lang="de-DE" dirty="0" err="1"/>
-              <a:t>tf.dataset</a:t>
-            </a:r>
-            <a:endParaRPr lang="de-DE" dirty="0"/>
+            <a:endParaRPr lang="de-DE" sz="1600" dirty="0"/>
           </a:p>
         </p:txBody>
       </p:sp>
     </p:spTree>
     <p:extLst>
       <p:ext uri="{BB962C8B-B14F-4D97-AF65-F5344CB8AC3E}">
-        <p14:creationId xmlns:p14="http://schemas.microsoft.com/office/powerpoint/2010/main" val="3284141996"/>
+        <p14:creationId xmlns:p14="http://schemas.microsoft.com/office/powerpoint/2010/main" val="2029697502"/>
       </p:ext>
     </p:extLst>
   </p:cSld>
@@ -4712,18 +5227,18 @@
       </p:grpSpPr>
       <p:sp>
         <p:nvSpPr>
-          <p:cNvPr id="3" name="Titel 2">
-            <a:extLst>
-              <a:ext uri="{FF2B5EF4-FFF2-40B4-BE49-F238E27FC236}">
-                <a16:creationId xmlns:a16="http://schemas.microsoft.com/office/drawing/2014/main" id="{57760B02-4752-CB18-31FA-8114BF701533}"/>
-              </a:ext>
-            </a:extLst>
-          </p:cNvPr>
-          <p:cNvSpPr>
-            <a:spLocks noGrp="1"/>
-          </p:cNvSpPr>
-          <p:nvPr>
-            <p:ph type="title"/>
+          <p:cNvPr id="4" name="Title 3">
+            <a:extLst>
+              <a:ext uri="{FF2B5EF4-FFF2-40B4-BE49-F238E27FC236}">
+                <a16:creationId xmlns:a16="http://schemas.microsoft.com/office/drawing/2014/main" id="{0BEF10F6-F32A-7E56-7FA5-28036DCF9132}"/>
+              </a:ext>
+            </a:extLst>
+          </p:cNvPr>
+          <p:cNvSpPr>
+            <a:spLocks noGrp="1"/>
+          </p:cNvSpPr>
+          <p:nvPr>
+            <p:ph type="ctrTitle"/>
           </p:nvPr>
         </p:nvSpPr>
         <p:spPr/>
@@ -4732,53 +5247,48 @@
           <a:lstStyle/>
           <a:p>
             <a:r>
-              <a:rPr lang="de-DE" b="1" dirty="0"/>
-              <a:t>REFERENCES</a:t>
+              <a:rPr lang="de-DE" dirty="0"/>
+              <a:t>Thank you </a:t>
             </a:r>
             <a:br>
               <a:rPr lang="de-DE" dirty="0"/>
             </a:br>
-            <a:endParaRPr lang="de-DE" dirty="0"/>
-          </a:p>
-        </p:txBody>
-      </p:sp>
-      <p:sp>
-        <p:nvSpPr>
-          <p:cNvPr id="4" name="Inhaltsplatzhalter 3">
-            <a:extLst>
-              <a:ext uri="{FF2B5EF4-FFF2-40B4-BE49-F238E27FC236}">
-                <a16:creationId xmlns:a16="http://schemas.microsoft.com/office/drawing/2014/main" id="{E0BAD1CC-D27B-9824-9843-8EE2DA543F72}"/>
-              </a:ext>
-            </a:extLst>
-          </p:cNvPr>
-          <p:cNvSpPr>
-            <a:spLocks noGrp="1"/>
-          </p:cNvSpPr>
-          <p:nvPr>
-            <p:ph idx="1"/>
+            <a:r>
+              <a:rPr lang="de-DE" dirty="0"/>
+              <a:t>for your attention!</a:t>
+            </a:r>
+          </a:p>
+        </p:txBody>
+      </p:sp>
+      <p:sp>
+        <p:nvSpPr>
+          <p:cNvPr id="5" name="Subtitle 4">
+            <a:extLst>
+              <a:ext uri="{FF2B5EF4-FFF2-40B4-BE49-F238E27FC236}">
+                <a16:creationId xmlns:a16="http://schemas.microsoft.com/office/drawing/2014/main" id="{0D64451A-C6D7-2745-5D29-EF350B4D0E45}"/>
+              </a:ext>
+            </a:extLst>
+          </p:cNvPr>
+          <p:cNvSpPr>
+            <a:spLocks noGrp="1"/>
+          </p:cNvSpPr>
+          <p:nvPr>
+            <p:ph type="subTitle" idx="1"/>
           </p:nvPr>
         </p:nvSpPr>
         <p:spPr/>
         <p:txBody>
-          <a:bodyPr>
-            <a:normAutofit/>
-          </a:bodyPr>
-          <a:lstStyle/>
-          <a:p>
-            <a:pPr marL="0" indent="0">
-              <a:buNone/>
-            </a:pPr>
-            <a:r>
-              <a:rPr lang="de-DE" sz="1200" dirty="0"/>
-              <a:t>[1]	 https://www.novatec-gmbh.de/en/blog/deep-q-networks/</a:t>
-            </a:r>
+          <a:bodyPr/>
+          <a:lstStyle/>
+          <a:p>
+            <a:endParaRPr lang="de-DE"/>
           </a:p>
         </p:txBody>
       </p:sp>
     </p:spTree>
     <p:extLst>
       <p:ext uri="{BB962C8B-B14F-4D97-AF65-F5344CB8AC3E}">
-        <p14:creationId xmlns:p14="http://schemas.microsoft.com/office/powerpoint/2010/main" val="2029697502"/>
+        <p14:creationId xmlns:p14="http://schemas.microsoft.com/office/powerpoint/2010/main" val="4019446059"/>
       </p:ext>
     </p:extLst>
   </p:cSld>
@@ -4826,7 +5336,7 @@
             <a:avLst/>
           </a:prstGeom>
           <a:blipFill dpi="0" rotWithShape="1">
-            <a:blip r:embed="rId2">
+            <a:blip r:embed="rId3">
               <a:alphaModFix amt="70000"/>
               <a:extLst>
                 <a:ext uri="{28A0092B-C50C-407E-A947-70E740481C1C}">
@@ -4974,52 +5484,8 @@
           <a:lstStyle/>
           <a:p>
             <a:r>
-              <a:rPr lang="de-DE" dirty="0" err="1"/>
-              <a:t>Implementing</a:t>
-            </a:r>
-            <a:r>
               <a:rPr lang="de-DE" dirty="0"/>
-              <a:t> </a:t>
-            </a:r>
-            <a:r>
-              <a:rPr lang="de-DE" dirty="0" err="1"/>
-              <a:t>Artificial</a:t>
-            </a:r>
-            <a:r>
-              <a:rPr lang="de-DE" dirty="0"/>
-              <a:t> </a:t>
-            </a:r>
-            <a:r>
-              <a:rPr lang="de-DE" dirty="0" err="1"/>
-              <a:t>Neural</a:t>
-            </a:r>
-            <a:r>
-              <a:rPr lang="de-DE" dirty="0"/>
-              <a:t> Networks </a:t>
-            </a:r>
-            <a:r>
-              <a:rPr lang="de-DE" dirty="0" err="1"/>
-              <a:t>with</a:t>
-            </a:r>
-            <a:r>
-              <a:rPr lang="de-DE" dirty="0"/>
-              <a:t> </a:t>
-            </a:r>
-            <a:r>
-              <a:rPr lang="de-DE" dirty="0" err="1"/>
-              <a:t>TensorFlow</a:t>
-            </a:r>
-            <a:r>
-              <a:rPr lang="de-DE" dirty="0"/>
-              <a:t> (</a:t>
-            </a:r>
-            <a:r>
-              <a:rPr lang="de-DE" dirty="0" err="1"/>
-              <a:t>IANNwTF</a:t>
-            </a:r>
-            <a:r>
-              <a:rPr lang="de-DE" dirty="0"/>
-              <a:t>)</a:t>
+              <a:t>Implementing Artificial Neural Networks with TensorFlow</a:t>
             </a:r>
           </a:p>
           <a:p>
@@ -5131,10 +5597,9 @@
               <a:buAutoNum type="arabicPeriod"/>
             </a:pPr>
             <a:r>
-              <a:rPr lang="de-DE" dirty="0" err="1"/>
+              <a:rPr lang="en-US"/>
               <a:t>Introduction</a:t>
             </a:r>
-            <a:endParaRPr lang="de-DE" dirty="0"/>
           </a:p>
           <a:p>
             <a:pPr marL="514350" indent="-514350">
@@ -5142,7 +5607,7 @@
               <a:buAutoNum type="arabicPeriod"/>
             </a:pPr>
             <a:r>
-              <a:rPr lang="de-DE" dirty="0"/>
+              <a:rPr lang="en-US"/>
               <a:t>Deep Reinforcement Learning</a:t>
             </a:r>
           </a:p>
@@ -5152,7 +5617,7 @@
               <a:buAutoNum type="arabicPeriod"/>
             </a:pPr>
             <a:r>
-              <a:rPr lang="de-DE" dirty="0"/>
+              <a:rPr lang="en-US"/>
               <a:t>Singe-Agent RL Implementation</a:t>
             </a:r>
           </a:p>
@@ -5162,20 +5627,8 @@
               <a:buAutoNum type="arabicPeriod"/>
             </a:pPr>
             <a:r>
-              <a:rPr lang="de-DE" dirty="0" err="1"/>
-              <a:t>Extend</a:t>
-            </a:r>
-            <a:r>
-              <a:rPr lang="de-DE" dirty="0"/>
-              <a:t> </a:t>
-            </a:r>
-            <a:r>
-              <a:rPr lang="de-DE" dirty="0" err="1"/>
-              <a:t>to</a:t>
-            </a:r>
-            <a:r>
-              <a:rPr lang="de-DE" dirty="0"/>
-              <a:t> Multi-Agent RL</a:t>
+              <a:rPr lang="en-US"/>
+              <a:t>Extend to Multi-Agent RL</a:t>
             </a:r>
           </a:p>
           <a:p>
@@ -5184,10 +5637,9 @@
               <a:buAutoNum type="arabicPeriod"/>
             </a:pPr>
             <a:r>
-              <a:rPr lang="de-DE" dirty="0" err="1"/>
+              <a:rPr lang="en-US"/>
               <a:t>Results</a:t>
             </a:r>
-            <a:endParaRPr lang="de-DE" dirty="0"/>
           </a:p>
         </p:txBody>
       </p:sp>
@@ -5275,26 +5727,323 @@
       </p:sp>
       <p:sp>
         <p:nvSpPr>
-          <p:cNvPr id="3" name="Inhaltsplatzhalter 2">
-            <a:extLst>
-              <a:ext uri="{FF2B5EF4-FFF2-40B4-BE49-F238E27FC236}">
-                <a16:creationId xmlns:a16="http://schemas.microsoft.com/office/drawing/2014/main" id="{17418022-B516-50DC-CA5C-0B7DCC2363DD}"/>
-              </a:ext>
-            </a:extLst>
-          </p:cNvPr>
-          <p:cNvSpPr>
-            <a:spLocks noGrp="1"/>
-          </p:cNvSpPr>
-          <p:nvPr>
-            <p:ph idx="1"/>
-          </p:nvPr>
-        </p:nvSpPr>
-        <p:spPr/>
-        <p:txBody>
-          <a:bodyPr/>
-          <a:lstStyle/>
-          <a:p>
+          <p:cNvPr id="4" name="Rechteck 3">
+            <a:extLst>
+              <a:ext uri="{FF2B5EF4-FFF2-40B4-BE49-F238E27FC236}">
+                <a16:creationId xmlns:a16="http://schemas.microsoft.com/office/drawing/2014/main" id="{2883433C-A32E-DD2B-E0B3-3F03C70CA916}"/>
+              </a:ext>
+            </a:extLst>
+          </p:cNvPr>
+          <p:cNvSpPr>
+            <a:spLocks noChangeAspect="1"/>
+          </p:cNvSpPr>
+          <p:nvPr/>
+        </p:nvSpPr>
+        <p:spPr>
+          <a:xfrm>
+            <a:off x="3242982" y="2379549"/>
+            <a:ext cx="5706036" cy="3392114"/>
+          </a:xfrm>
+          <a:prstGeom prst="rect">
+            <a:avLst/>
+          </a:prstGeom>
+          <a:blipFill dpi="0" rotWithShape="1">
+            <a:blip r:embed="rId2">
+              <a:extLst>
+                <a:ext uri="{28A0092B-C50C-407E-A947-70E740481C1C}">
+                  <a14:useLocalDpi xmlns:a14="http://schemas.microsoft.com/office/drawing/2010/main" val="0"/>
+                </a:ext>
+              </a:extLst>
+            </a:blip>
+            <a:srcRect/>
+            <a:stretch>
+              <a:fillRect/>
+            </a:stretch>
+          </a:blipFill>
+          <a:ln w="38100">
+            <a:solidFill>
+              <a:schemeClr val="tx1"/>
+            </a:solidFill>
+          </a:ln>
+        </p:spPr>
+        <p:style>
+          <a:lnRef idx="2">
+            <a:schemeClr val="accent1">
+              <a:shade val="50000"/>
+            </a:schemeClr>
+          </a:lnRef>
+          <a:fillRef idx="1">
+            <a:schemeClr val="accent1"/>
+          </a:fillRef>
+          <a:effectRef idx="0">
+            <a:schemeClr val="accent1"/>
+          </a:effectRef>
+          <a:fontRef idx="minor">
+            <a:schemeClr val="lt1"/>
+          </a:fontRef>
+        </p:style>
+        <p:txBody>
+          <a:bodyPr rtlCol="0" anchor="ctr"/>
+          <a:lstStyle/>
+          <a:p>
+            <a:pPr algn="ctr"/>
             <a:endParaRPr lang="de-DE" dirty="0"/>
+          </a:p>
+        </p:txBody>
+      </p:sp>
+      <p:sp>
+        <p:nvSpPr>
+          <p:cNvPr id="5" name="TextBox 4">
+            <a:extLst>
+              <a:ext uri="{FF2B5EF4-FFF2-40B4-BE49-F238E27FC236}">
+                <a16:creationId xmlns:a16="http://schemas.microsoft.com/office/drawing/2014/main" id="{585A3545-9CBE-50D4-38BA-D259C4C30D06}"/>
+              </a:ext>
+            </a:extLst>
+          </p:cNvPr>
+          <p:cNvSpPr txBox="1"/>
+          <p:nvPr/>
+        </p:nvSpPr>
+        <p:spPr>
+          <a:xfrm>
+            <a:off x="2115638" y="3903571"/>
+            <a:ext cx="1283855" cy="461665"/>
+          </a:xfrm>
+          <a:prstGeom prst="rect">
+            <a:avLst/>
+          </a:prstGeom>
+          <a:noFill/>
+        </p:spPr>
+        <p:txBody>
+          <a:bodyPr wrap="square" rtlCol="0">
+            <a:spAutoFit/>
+          </a:bodyPr>
+          <a:lstStyle/>
+          <a:p>
+            <a:r>
+              <a:rPr lang="de-DE" sz="2400" dirty="0"/>
+              <a:t>Agent 1</a:t>
+            </a:r>
+          </a:p>
+        </p:txBody>
+      </p:sp>
+      <p:sp>
+        <p:nvSpPr>
+          <p:cNvPr id="6" name="TextBox 5">
+            <a:extLst>
+              <a:ext uri="{FF2B5EF4-FFF2-40B4-BE49-F238E27FC236}">
+                <a16:creationId xmlns:a16="http://schemas.microsoft.com/office/drawing/2014/main" id="{DB8D4EF3-7B79-0A4A-9441-3EB2C504C0E4}"/>
+              </a:ext>
+            </a:extLst>
+          </p:cNvPr>
+          <p:cNvSpPr txBox="1"/>
+          <p:nvPr/>
+        </p:nvSpPr>
+        <p:spPr>
+          <a:xfrm>
+            <a:off x="8949018" y="3068843"/>
+            <a:ext cx="1283855" cy="461665"/>
+          </a:xfrm>
+          <a:prstGeom prst="rect">
+            <a:avLst/>
+          </a:prstGeom>
+          <a:noFill/>
+        </p:spPr>
+        <p:txBody>
+          <a:bodyPr wrap="square" rtlCol="0">
+            <a:spAutoFit/>
+          </a:bodyPr>
+          <a:lstStyle/>
+          <a:p>
+            <a:r>
+              <a:rPr lang="de-DE" sz="2400" dirty="0"/>
+              <a:t>Agent 2</a:t>
+            </a:r>
+          </a:p>
+        </p:txBody>
+      </p:sp>
+      <p:sp>
+        <p:nvSpPr>
+          <p:cNvPr id="7" name="TextBox 6">
+            <a:extLst>
+              <a:ext uri="{FF2B5EF4-FFF2-40B4-BE49-F238E27FC236}">
+                <a16:creationId xmlns:a16="http://schemas.microsoft.com/office/drawing/2014/main" id="{965F769C-53FE-B52E-6787-970A745D9A15}"/>
+              </a:ext>
+            </a:extLst>
+          </p:cNvPr>
+          <p:cNvSpPr txBox="1"/>
+          <p:nvPr/>
+        </p:nvSpPr>
+        <p:spPr>
+          <a:xfrm>
+            <a:off x="4738255" y="1787529"/>
+            <a:ext cx="2512676" cy="461665"/>
+          </a:xfrm>
+          <a:prstGeom prst="rect">
+            <a:avLst/>
+          </a:prstGeom>
+          <a:noFill/>
+        </p:spPr>
+        <p:txBody>
+          <a:bodyPr wrap="none" rtlCol="0">
+            <a:spAutoFit/>
+          </a:bodyPr>
+          <a:lstStyle/>
+          <a:p>
+            <a:r>
+              <a:rPr lang="de-DE" sz="2400" dirty="0"/>
+              <a:t>Observation Space</a:t>
+            </a:r>
+          </a:p>
+        </p:txBody>
+      </p:sp>
+      <p:cxnSp>
+        <p:nvCxnSpPr>
+          <p:cNvPr id="9" name="Straight Arrow Connector 8">
+            <a:extLst>
+              <a:ext uri="{FF2B5EF4-FFF2-40B4-BE49-F238E27FC236}">
+                <a16:creationId xmlns:a16="http://schemas.microsoft.com/office/drawing/2014/main" id="{ED7BEADA-E1F1-1A63-6A5C-F74D4D077D3E}"/>
+              </a:ext>
+            </a:extLst>
+          </p:cNvPr>
+          <p:cNvCxnSpPr>
+            <a:cxnSpLocks/>
+          </p:cNvCxnSpPr>
+          <p:nvPr/>
+        </p:nvCxnSpPr>
+        <p:spPr>
+          <a:xfrm flipV="1">
+            <a:off x="3592948" y="3512124"/>
+            <a:ext cx="0" cy="1296000"/>
+          </a:xfrm>
+          <a:prstGeom prst="straightConnector1">
+            <a:avLst/>
+          </a:prstGeom>
+          <a:ln w="34925">
+            <a:solidFill>
+              <a:schemeClr val="dk1"/>
+            </a:solidFill>
+            <a:prstDash val="dash"/>
+            <a:headEnd type="triangle"/>
+            <a:tailEnd type="triangle"/>
+          </a:ln>
+        </p:spPr>
+        <p:style>
+          <a:lnRef idx="1">
+            <a:schemeClr val="dk1"/>
+          </a:lnRef>
+          <a:fillRef idx="0">
+            <a:schemeClr val="dk1"/>
+          </a:fillRef>
+          <a:effectRef idx="0">
+            <a:schemeClr val="dk1"/>
+          </a:effectRef>
+          <a:fontRef idx="minor">
+            <a:schemeClr val="tx1"/>
+          </a:fontRef>
+        </p:style>
+      </p:cxnSp>
+      <p:sp>
+        <p:nvSpPr>
+          <p:cNvPr id="13" name="TextBox 12">
+            <a:extLst>
+              <a:ext uri="{FF2B5EF4-FFF2-40B4-BE49-F238E27FC236}">
+                <a16:creationId xmlns:a16="http://schemas.microsoft.com/office/drawing/2014/main" id="{EBFE1210-7708-B039-CDAA-40E46FBD1AAA}"/>
+              </a:ext>
+            </a:extLst>
+          </p:cNvPr>
+          <p:cNvSpPr txBox="1"/>
+          <p:nvPr/>
+        </p:nvSpPr>
+        <p:spPr>
+          <a:xfrm>
+            <a:off x="3728540" y="3320441"/>
+            <a:ext cx="991753" cy="461665"/>
+          </a:xfrm>
+          <a:prstGeom prst="rect">
+            <a:avLst/>
+          </a:prstGeom>
+          <a:noFill/>
+        </p:spPr>
+        <p:txBody>
+          <a:bodyPr wrap="square" rtlCol="0">
+            <a:spAutoFit/>
+          </a:bodyPr>
+          <a:lstStyle/>
+          <a:p>
+            <a:r>
+              <a:rPr lang="de-DE" sz="2400" dirty="0"/>
+              <a:t>Action</a:t>
+            </a:r>
+          </a:p>
+        </p:txBody>
+      </p:sp>
+      <p:sp>
+        <p:nvSpPr>
+          <p:cNvPr id="14" name="TextBox 13">
+            <a:extLst>
+              <a:ext uri="{FF2B5EF4-FFF2-40B4-BE49-F238E27FC236}">
+                <a16:creationId xmlns:a16="http://schemas.microsoft.com/office/drawing/2014/main" id="{86DFB70F-FBA2-846C-F22B-5CE679915B9E}"/>
+              </a:ext>
+            </a:extLst>
+          </p:cNvPr>
+          <p:cNvSpPr txBox="1"/>
+          <p:nvPr/>
+        </p:nvSpPr>
+        <p:spPr>
+          <a:xfrm>
+            <a:off x="5099637" y="5902018"/>
+            <a:ext cx="1992725" cy="461665"/>
+          </a:xfrm>
+          <a:prstGeom prst="rect">
+            <a:avLst/>
+          </a:prstGeom>
+          <a:noFill/>
+        </p:spPr>
+        <p:txBody>
+          <a:bodyPr wrap="none" rtlCol="0">
+            <a:spAutoFit/>
+          </a:bodyPr>
+          <a:lstStyle/>
+          <a:p>
+            <a:r>
+              <a:rPr lang="de-DE" sz="2400" dirty="0"/>
+              <a:t>Goal = Reward</a:t>
+            </a:r>
+          </a:p>
+        </p:txBody>
+      </p:sp>
+      <p:sp>
+        <p:nvSpPr>
+          <p:cNvPr id="15" name="Textfeld 8">
+            <a:extLst>
+              <a:ext uri="{FF2B5EF4-FFF2-40B4-BE49-F238E27FC236}">
+                <a16:creationId xmlns:a16="http://schemas.microsoft.com/office/drawing/2014/main" id="{F0A0093A-BC44-C1C7-A0CD-05C25D8E2F4B}"/>
+              </a:ext>
+            </a:extLst>
+          </p:cNvPr>
+          <p:cNvSpPr txBox="1"/>
+          <p:nvPr/>
+        </p:nvSpPr>
+        <p:spPr>
+          <a:xfrm>
+            <a:off x="9161454" y="5771663"/>
+            <a:ext cx="693019" cy="369332"/>
+          </a:xfrm>
+          <a:prstGeom prst="rect">
+            <a:avLst/>
+          </a:prstGeom>
+          <a:noFill/>
+        </p:spPr>
+        <p:txBody>
+          <a:bodyPr wrap="square" rtlCol="0">
+            <a:spAutoFit/>
+          </a:bodyPr>
+          <a:lstStyle/>
+          <a:p>
+            <a:r>
+              <a:rPr lang="de-DE" dirty="0"/>
+              <a:t>[1]</a:t>
+            </a:r>
           </a:p>
         </p:txBody>
       </p:sp>
@@ -5362,7 +6111,7 @@
             </a:r>
             <a:r>
               <a:rPr lang="de-DE" sz="3200" dirty="0"/>
-              <a:t> Pong</a:t>
+              <a:t> Pong in Reinforcement Learning</a:t>
             </a:r>
             <a:endParaRPr lang="de-DE" dirty="0"/>
           </a:p>
@@ -5370,18 +6119,18 @@
       </p:sp>
       <p:sp>
         <p:nvSpPr>
-          <p:cNvPr id="3" name="Inhaltsplatzhalter 2">
-            <a:extLst>
-              <a:ext uri="{FF2B5EF4-FFF2-40B4-BE49-F238E27FC236}">
-                <a16:creationId xmlns:a16="http://schemas.microsoft.com/office/drawing/2014/main" id="{17418022-B516-50DC-CA5C-0B7DCC2363DD}"/>
-              </a:ext>
-            </a:extLst>
-          </p:cNvPr>
-          <p:cNvSpPr>
-            <a:spLocks noGrp="1"/>
-          </p:cNvSpPr>
-          <p:nvPr>
-            <p:ph idx="1"/>
+          <p:cNvPr id="4" name="Textplatzhalter 3">
+            <a:extLst>
+              <a:ext uri="{FF2B5EF4-FFF2-40B4-BE49-F238E27FC236}">
+                <a16:creationId xmlns:a16="http://schemas.microsoft.com/office/drawing/2014/main" id="{4FE9F057-BC53-DDFE-AA12-EA13A7B7D7D2}"/>
+              </a:ext>
+            </a:extLst>
+          </p:cNvPr>
+          <p:cNvSpPr>
+            <a:spLocks noGrp="1"/>
+          </p:cNvSpPr>
+          <p:nvPr>
+            <p:ph type="body" idx="1"/>
           </p:nvPr>
         </p:nvSpPr>
         <p:spPr/>
@@ -5389,14 +6138,173 @@
           <a:bodyPr/>
           <a:lstStyle/>
           <a:p>
-            <a:endParaRPr lang="de-DE" dirty="0"/>
+            <a:r>
+              <a:rPr lang="de-DE" dirty="0"/>
+              <a:t>Single Agent</a:t>
+            </a:r>
+          </a:p>
+        </p:txBody>
+      </p:sp>
+      <p:sp>
+        <p:nvSpPr>
+          <p:cNvPr id="6" name="Textplatzhalter 5">
+            <a:extLst>
+              <a:ext uri="{FF2B5EF4-FFF2-40B4-BE49-F238E27FC236}">
+                <a16:creationId xmlns:a16="http://schemas.microsoft.com/office/drawing/2014/main" id="{0CEB6643-F567-A57B-FC9A-D43CC2799ABB}"/>
+              </a:ext>
+            </a:extLst>
+          </p:cNvPr>
+          <p:cNvSpPr>
+            <a:spLocks noGrp="1"/>
+          </p:cNvSpPr>
+          <p:nvPr>
+            <p:ph type="body" sz="quarter" idx="3"/>
+          </p:nvPr>
+        </p:nvSpPr>
+        <p:spPr/>
+        <p:txBody>
+          <a:bodyPr/>
+          <a:lstStyle/>
+          <a:p>
+            <a:r>
+              <a:rPr lang="de-DE" dirty="0"/>
+              <a:t>Multi Agent</a:t>
+            </a:r>
+          </a:p>
+        </p:txBody>
+      </p:sp>
+      <p:pic>
+        <p:nvPicPr>
+          <p:cNvPr id="8" name="Content Placeholder 7">
+            <a:extLst>
+              <a:ext uri="{FF2B5EF4-FFF2-40B4-BE49-F238E27FC236}">
+                <a16:creationId xmlns:a16="http://schemas.microsoft.com/office/drawing/2014/main" id="{76816866-9D4F-61F3-F391-CB87791A6F5B}"/>
+              </a:ext>
+            </a:extLst>
+          </p:cNvPr>
+          <p:cNvPicPr>
+            <a:picLocks noGrp="1" noChangeAspect="1"/>
+          </p:cNvPicPr>
+          <p:nvPr>
+            <p:ph sz="quarter" idx="4"/>
+          </p:nvPr>
+        </p:nvPicPr>
+        <p:blipFill>
+          <a:blip r:embed="rId2"/>
+          <a:stretch>
+            <a:fillRect/>
+          </a:stretch>
+        </p:blipFill>
+        <p:spPr>
+          <a:xfrm>
+            <a:off x="6229790" y="2691112"/>
+            <a:ext cx="5068007" cy="2924583"/>
+          </a:xfrm>
+        </p:spPr>
+      </p:pic>
+      <p:pic>
+        <p:nvPicPr>
+          <p:cNvPr id="14" name="Content Placeholder 13">
+            <a:extLst>
+              <a:ext uri="{FF2B5EF4-FFF2-40B4-BE49-F238E27FC236}">
+                <a16:creationId xmlns:a16="http://schemas.microsoft.com/office/drawing/2014/main" id="{CDB0A164-DC20-DE89-1774-E94FD635BF2E}"/>
+              </a:ext>
+            </a:extLst>
+          </p:cNvPr>
+          <p:cNvPicPr>
+            <a:picLocks noGrp="1" noChangeAspect="1"/>
+          </p:cNvPicPr>
+          <p:nvPr>
+            <p:ph sz="half" idx="2"/>
+          </p:nvPr>
+        </p:nvPicPr>
+        <p:blipFill>
+          <a:blip r:embed="rId3"/>
+          <a:stretch>
+            <a:fillRect/>
+          </a:stretch>
+        </p:blipFill>
+        <p:spPr>
+          <a:xfrm>
+            <a:off x="979941" y="2958506"/>
+            <a:ext cx="4877481" cy="3258005"/>
+          </a:xfrm>
+        </p:spPr>
+      </p:pic>
+      <p:sp>
+        <p:nvSpPr>
+          <p:cNvPr id="15" name="Textfeld 8">
+            <a:extLst>
+              <a:ext uri="{FF2B5EF4-FFF2-40B4-BE49-F238E27FC236}">
+                <a16:creationId xmlns:a16="http://schemas.microsoft.com/office/drawing/2014/main" id="{D7289020-B95C-3F3F-CF9D-42DA6C306A38}"/>
+              </a:ext>
+            </a:extLst>
+          </p:cNvPr>
+          <p:cNvSpPr txBox="1"/>
+          <p:nvPr/>
+        </p:nvSpPr>
+        <p:spPr>
+          <a:xfrm>
+            <a:off x="5402981" y="5847179"/>
+            <a:ext cx="693019" cy="369332"/>
+          </a:xfrm>
+          <a:prstGeom prst="rect">
+            <a:avLst/>
+          </a:prstGeom>
+          <a:noFill/>
+        </p:spPr>
+        <p:txBody>
+          <a:bodyPr wrap="square" rtlCol="0">
+            <a:spAutoFit/>
+          </a:bodyPr>
+          <a:lstStyle/>
+          <a:p>
+            <a:r>
+              <a:rPr lang="de-DE" dirty="0"/>
+              <a:t>[2]</a:t>
+            </a:r>
+          </a:p>
+        </p:txBody>
+      </p:sp>
+      <p:sp>
+        <p:nvSpPr>
+          <p:cNvPr id="16" name="Textfeld 8">
+            <a:extLst>
+              <a:ext uri="{FF2B5EF4-FFF2-40B4-BE49-F238E27FC236}">
+                <a16:creationId xmlns:a16="http://schemas.microsoft.com/office/drawing/2014/main" id="{5FD53688-B5F7-F139-99CD-CBC07985ED0E}"/>
+              </a:ext>
+            </a:extLst>
+          </p:cNvPr>
+          <p:cNvSpPr txBox="1"/>
+          <p:nvPr/>
+        </p:nvSpPr>
+        <p:spPr>
+          <a:xfrm>
+            <a:off x="11008878" y="5847179"/>
+            <a:ext cx="693019" cy="369332"/>
+          </a:xfrm>
+          <a:prstGeom prst="rect">
+            <a:avLst/>
+          </a:prstGeom>
+          <a:noFill/>
+        </p:spPr>
+        <p:txBody>
+          <a:bodyPr wrap="square" rtlCol="0">
+            <a:spAutoFit/>
+          </a:bodyPr>
+          <a:lstStyle/>
+          <a:p>
+            <a:r>
+              <a:rPr lang="de-DE" dirty="0"/>
+              <a:t>[3]</a:t>
+            </a:r>
           </a:p>
         </p:txBody>
       </p:sp>
     </p:spTree>
     <p:extLst>
       <p:ext uri="{BB962C8B-B14F-4D97-AF65-F5344CB8AC3E}">
-        <p14:creationId xmlns:p14="http://schemas.microsoft.com/office/powerpoint/2010/main" val="3044432251"/>
+        <p14:creationId xmlns:p14="http://schemas.microsoft.com/office/powerpoint/2010/main" val="220790232"/>
       </p:ext>
     </p:extLst>
   </p:cSld>
@@ -5446,133 +6354,88 @@
           <a:p>
             <a:r>
               <a:rPr lang="de-DE" b="1" dirty="0"/>
-              <a:t>INTRODUCTION</a:t>
+              <a:t>DEEP REINFORCEMENT LEARNING</a:t>
             </a:r>
             <a:br>
               <a:rPr lang="de-DE" dirty="0"/>
             </a:br>
             <a:r>
-              <a:rPr lang="de-DE" sz="3200" dirty="0" err="1"/>
-              <a:t>Atari‘s</a:t>
-            </a:r>
-            <a:r>
               <a:rPr lang="de-DE" sz="3200" dirty="0"/>
-              <a:t> Pong in Reinforcement Learning</a:t>
+              <a:t> </a:t>
             </a:r>
             <a:endParaRPr lang="de-DE" dirty="0"/>
           </a:p>
         </p:txBody>
       </p:sp>
-      <p:sp>
-        <p:nvSpPr>
-          <p:cNvPr id="4" name="Textplatzhalter 3">
-            <a:extLst>
-              <a:ext uri="{FF2B5EF4-FFF2-40B4-BE49-F238E27FC236}">
-                <a16:creationId xmlns:a16="http://schemas.microsoft.com/office/drawing/2014/main" id="{4FE9F057-BC53-DDFE-AA12-EA13A7B7D7D2}"/>
-              </a:ext>
-            </a:extLst>
-          </p:cNvPr>
-          <p:cNvSpPr>
-            <a:spLocks noGrp="1"/>
-          </p:cNvSpPr>
-          <p:nvPr>
-            <p:ph type="body" idx="1"/>
-          </p:nvPr>
-        </p:nvSpPr>
-        <p:spPr/>
-        <p:txBody>
-          <a:bodyPr/>
+      <p:pic>
+        <p:nvPicPr>
+          <p:cNvPr id="13" name="Grafik 12">
+            <a:extLst>
+              <a:ext uri="{FF2B5EF4-FFF2-40B4-BE49-F238E27FC236}">
+                <a16:creationId xmlns:a16="http://schemas.microsoft.com/office/drawing/2014/main" id="{4DDCF21E-2FEA-0E44-D7E1-1A4EB1D2EFEB}"/>
+              </a:ext>
+            </a:extLst>
+          </p:cNvPr>
+          <p:cNvPicPr>
+            <a:picLocks noChangeAspect="1"/>
+          </p:cNvPicPr>
+          <p:nvPr/>
+        </p:nvPicPr>
+        <p:blipFill>
+          <a:blip r:embed="rId2"/>
+          <a:stretch>
+            <a:fillRect/>
+          </a:stretch>
+        </p:blipFill>
+        <p:spPr>
+          <a:xfrm>
+            <a:off x="729666" y="1549667"/>
+            <a:ext cx="10339388" cy="4660557"/>
+          </a:xfrm>
+          <a:prstGeom prst="rect">
+            <a:avLst/>
+          </a:prstGeom>
+        </p:spPr>
+      </p:pic>
+      <p:sp>
+        <p:nvSpPr>
+          <p:cNvPr id="9" name="Textfeld 8">
+            <a:extLst>
+              <a:ext uri="{FF2B5EF4-FFF2-40B4-BE49-F238E27FC236}">
+                <a16:creationId xmlns:a16="http://schemas.microsoft.com/office/drawing/2014/main" id="{86F457A1-54FE-1000-E010-14EA3970FE99}"/>
+              </a:ext>
+            </a:extLst>
+          </p:cNvPr>
+          <p:cNvSpPr txBox="1"/>
+          <p:nvPr/>
+        </p:nvSpPr>
+        <p:spPr>
+          <a:xfrm>
+            <a:off x="10101313" y="5929163"/>
+            <a:ext cx="693019" cy="369332"/>
+          </a:xfrm>
+          <a:prstGeom prst="rect">
+            <a:avLst/>
+          </a:prstGeom>
+          <a:noFill/>
+        </p:spPr>
+        <p:txBody>
+          <a:bodyPr wrap="square" rtlCol="0">
+            <a:spAutoFit/>
+          </a:bodyPr>
           <a:lstStyle/>
           <a:p>
             <a:r>
               <a:rPr lang="de-DE" dirty="0"/>
-              <a:t>Single Agent</a:t>
-            </a:r>
-          </a:p>
-        </p:txBody>
-      </p:sp>
-      <p:sp>
-        <p:nvSpPr>
-          <p:cNvPr id="5" name="Inhaltsplatzhalter 4">
-            <a:extLst>
-              <a:ext uri="{FF2B5EF4-FFF2-40B4-BE49-F238E27FC236}">
-                <a16:creationId xmlns:a16="http://schemas.microsoft.com/office/drawing/2014/main" id="{91F9EA29-3925-D3F9-2F9F-15D068AED016}"/>
-              </a:ext>
-            </a:extLst>
-          </p:cNvPr>
-          <p:cNvSpPr>
-            <a:spLocks noGrp="1"/>
-          </p:cNvSpPr>
-          <p:nvPr>
-            <p:ph sz="half" idx="2"/>
-          </p:nvPr>
-        </p:nvSpPr>
-        <p:spPr/>
-        <p:txBody>
-          <a:bodyPr/>
-          <a:lstStyle/>
-          <a:p>
-            <a:endParaRPr lang="de-DE"/>
-          </a:p>
-        </p:txBody>
-      </p:sp>
-      <p:sp>
-        <p:nvSpPr>
-          <p:cNvPr id="6" name="Textplatzhalter 5">
-            <a:extLst>
-              <a:ext uri="{FF2B5EF4-FFF2-40B4-BE49-F238E27FC236}">
-                <a16:creationId xmlns:a16="http://schemas.microsoft.com/office/drawing/2014/main" id="{0CEB6643-F567-A57B-FC9A-D43CC2799ABB}"/>
-              </a:ext>
-            </a:extLst>
-          </p:cNvPr>
-          <p:cNvSpPr>
-            <a:spLocks noGrp="1"/>
-          </p:cNvSpPr>
-          <p:nvPr>
-            <p:ph type="body" sz="quarter" idx="3"/>
-          </p:nvPr>
-        </p:nvSpPr>
-        <p:spPr/>
-        <p:txBody>
-          <a:bodyPr/>
-          <a:lstStyle/>
-          <a:p>
-            <a:r>
-              <a:rPr lang="de-DE" dirty="0"/>
-              <a:t>Multi Agent</a:t>
-            </a:r>
-          </a:p>
-        </p:txBody>
-      </p:sp>
-      <p:sp>
-        <p:nvSpPr>
-          <p:cNvPr id="7" name="Inhaltsplatzhalter 6">
-            <a:extLst>
-              <a:ext uri="{FF2B5EF4-FFF2-40B4-BE49-F238E27FC236}">
-                <a16:creationId xmlns:a16="http://schemas.microsoft.com/office/drawing/2014/main" id="{7DA45883-BC47-2B14-716A-3421A2B3701A}"/>
-              </a:ext>
-            </a:extLst>
-          </p:cNvPr>
-          <p:cNvSpPr>
-            <a:spLocks noGrp="1"/>
-          </p:cNvSpPr>
-          <p:nvPr>
-            <p:ph sz="quarter" idx="4"/>
-          </p:nvPr>
-        </p:nvSpPr>
-        <p:spPr/>
-        <p:txBody>
-          <a:bodyPr/>
-          <a:lstStyle/>
-          <a:p>
-            <a:endParaRPr lang="de-DE"/>
+              <a:t>[4]</a:t>
+            </a:r>
           </a:p>
         </p:txBody>
       </p:sp>
     </p:spTree>
     <p:extLst>
       <p:ext uri="{BB962C8B-B14F-4D97-AF65-F5344CB8AC3E}">
-        <p14:creationId xmlns:p14="http://schemas.microsoft.com/office/powerpoint/2010/main" val="220790232"/>
+        <p14:creationId xmlns:p14="http://schemas.microsoft.com/office/powerpoint/2010/main" val="1726548153"/>
       </p:ext>
     </p:extLst>
   </p:cSld>
@@ -5622,32 +6485,62 @@
           <a:p>
             <a:r>
               <a:rPr lang="de-DE" b="1" dirty="0"/>
-              <a:t>DEEP REINFORCEMENT LEARNING</a:t>
+              <a:t>SINGLE-AGENT REINFORCEMENT LEARNING</a:t>
             </a:r>
             <a:br>
               <a:rPr lang="de-DE" dirty="0"/>
             </a:br>
             <a:r>
               <a:rPr lang="de-DE" sz="3200" dirty="0"/>
-              <a:t> </a:t>
+              <a:t>Deep Q-Network</a:t>
             </a:r>
             <a:endParaRPr lang="de-DE" dirty="0"/>
+          </a:p>
+        </p:txBody>
+      </p:sp>
+      <p:sp>
+        <p:nvSpPr>
+          <p:cNvPr id="18" name="Textplatzhalter 17">
+            <a:extLst>
+              <a:ext uri="{FF2B5EF4-FFF2-40B4-BE49-F238E27FC236}">
+                <a16:creationId xmlns:a16="http://schemas.microsoft.com/office/drawing/2014/main" id="{0FAA614D-7834-1CB6-9731-0FD2EC693BBA}"/>
+              </a:ext>
+            </a:extLst>
+          </p:cNvPr>
+          <p:cNvSpPr>
+            <a:spLocks noGrp="1"/>
+          </p:cNvSpPr>
+          <p:nvPr>
+            <p:ph type="body" idx="1"/>
+          </p:nvPr>
+        </p:nvSpPr>
+        <p:spPr/>
+        <p:txBody>
+          <a:bodyPr/>
+          <a:lstStyle/>
+          <a:p>
+            <a:r>
+              <a:rPr lang="de-DE" dirty="0"/>
+              <a:t>Pseudocode</a:t>
+            </a:r>
           </a:p>
         </p:txBody>
       </p:sp>
       <p:pic>
         <p:nvPicPr>
-          <p:cNvPr id="13" name="Grafik 12">
-            <a:extLst>
-              <a:ext uri="{FF2B5EF4-FFF2-40B4-BE49-F238E27FC236}">
-                <a16:creationId xmlns:a16="http://schemas.microsoft.com/office/drawing/2014/main" id="{4DDCF21E-2FEA-0E44-D7E1-1A4EB1D2EFEB}"/>
+          <p:cNvPr id="15" name="Inhaltsplatzhalter 14">
+            <a:extLst>
+              <a:ext uri="{FF2B5EF4-FFF2-40B4-BE49-F238E27FC236}">
+                <a16:creationId xmlns:a16="http://schemas.microsoft.com/office/drawing/2014/main" id="{311B1DF9-5203-22A9-5AE9-6B05CF943485}"/>
               </a:ext>
             </a:extLst>
           </p:cNvPr>
           <p:cNvPicPr>
-            <a:picLocks noChangeAspect="1"/>
+            <a:picLocks noGrp="1" noChangeAspect="1"/>
           </p:cNvPicPr>
-          <p:nvPr/>
+          <p:nvPr>
+            <p:ph sz="half" idx="2"/>
+          </p:nvPr>
         </p:nvPicPr>
         <p:blipFill>
           <a:blip r:embed="rId2"/>
@@ -5657,20 +6550,84 @@
         </p:blipFill>
         <p:spPr>
           <a:xfrm>
-            <a:off x="729666" y="1549667"/>
-            <a:ext cx="10339388" cy="4660557"/>
+            <a:off x="839788" y="2676919"/>
+            <a:ext cx="5157787" cy="3340900"/>
           </a:xfrm>
-          <a:prstGeom prst="rect">
-            <a:avLst/>
-          </a:prstGeom>
         </p:spPr>
       </p:pic>
       <p:sp>
         <p:nvSpPr>
-          <p:cNvPr id="9" name="Textfeld 8">
-            <a:extLst>
-              <a:ext uri="{FF2B5EF4-FFF2-40B4-BE49-F238E27FC236}">
-                <a16:creationId xmlns:a16="http://schemas.microsoft.com/office/drawing/2014/main" id="{86F457A1-54FE-1000-E010-14EA3970FE99}"/>
+          <p:cNvPr id="19" name="Textplatzhalter 18">
+            <a:extLst>
+              <a:ext uri="{FF2B5EF4-FFF2-40B4-BE49-F238E27FC236}">
+                <a16:creationId xmlns:a16="http://schemas.microsoft.com/office/drawing/2014/main" id="{C1B8A860-9CC2-4C50-5636-5E5569C0DF4B}"/>
+              </a:ext>
+            </a:extLst>
+          </p:cNvPr>
+          <p:cNvSpPr>
+            <a:spLocks noGrp="1"/>
+          </p:cNvSpPr>
+          <p:nvPr>
+            <p:ph type="body" sz="quarter" idx="3"/>
+          </p:nvPr>
+        </p:nvSpPr>
+        <p:spPr/>
+        <p:txBody>
+          <a:bodyPr/>
+          <a:lstStyle/>
+          <a:p>
+            <a:r>
+              <a:rPr lang="de-DE" dirty="0" err="1"/>
+              <a:t>Our</a:t>
+            </a:r>
+            <a:r>
+              <a:rPr lang="de-DE" dirty="0"/>
+              <a:t> Implementation</a:t>
+            </a:r>
+          </a:p>
+        </p:txBody>
+      </p:sp>
+      <p:pic>
+        <p:nvPicPr>
+          <p:cNvPr id="17" name="Inhaltsplatzhalter 16">
+            <a:extLst>
+              <a:ext uri="{FF2B5EF4-FFF2-40B4-BE49-F238E27FC236}">
+                <a16:creationId xmlns:a16="http://schemas.microsoft.com/office/drawing/2014/main" id="{65DA4F67-3E36-B28B-DC8D-1CF0F4B42979}"/>
+              </a:ext>
+            </a:extLst>
+          </p:cNvPr>
+          <p:cNvPicPr>
+            <a:picLocks noGrp="1" noChangeAspect="1"/>
+          </p:cNvPicPr>
+          <p:nvPr>
+            <p:ph sz="quarter" idx="4"/>
+          </p:nvPr>
+        </p:nvPicPr>
+        <p:blipFill>
+          <a:blip r:embed="rId3">
+            <a:extLst>
+              <a:ext uri="{28A0092B-C50C-407E-A947-70E740481C1C}">
+                <a14:useLocalDpi xmlns:a14="http://schemas.microsoft.com/office/drawing/2010/main" val="0"/>
+              </a:ext>
+            </a:extLst>
+          </a:blip>
+          <a:stretch>
+            <a:fillRect/>
+          </a:stretch>
+        </p:blipFill>
+        <p:spPr>
+          <a:xfrm>
+            <a:off x="6172200" y="3037611"/>
+            <a:ext cx="5183188" cy="2619515"/>
+          </a:xfrm>
+        </p:spPr>
+      </p:pic>
+      <p:sp>
+        <p:nvSpPr>
+          <p:cNvPr id="3" name="Textfeld 8">
+            <a:extLst>
+              <a:ext uri="{FF2B5EF4-FFF2-40B4-BE49-F238E27FC236}">
+                <a16:creationId xmlns:a16="http://schemas.microsoft.com/office/drawing/2014/main" id="{0DA1735E-A407-0B79-7867-3DC8290696BA}"/>
               </a:ext>
             </a:extLst>
           </p:cNvPr>
@@ -5679,7 +6636,7 @@
         </p:nvSpPr>
         <p:spPr>
           <a:xfrm>
-            <a:off x="10101313" y="5929163"/>
+            <a:off x="5501408" y="5657126"/>
             <a:ext cx="693019" cy="369332"/>
           </a:xfrm>
           <a:prstGeom prst="rect">
@@ -5695,7 +6652,7 @@
           <a:p>
             <a:r>
               <a:rPr lang="de-DE" dirty="0"/>
-              <a:t>[1]</a:t>
+              <a:t>[5]</a:t>
             </a:r>
           </a:p>
         </p:txBody>
@@ -5703,7 +6660,7 @@
     </p:spTree>
     <p:extLst>
       <p:ext uri="{BB962C8B-B14F-4D97-AF65-F5344CB8AC3E}">
-        <p14:creationId xmlns:p14="http://schemas.microsoft.com/office/powerpoint/2010/main" val="1726548153"/>
+        <p14:creationId xmlns:p14="http://schemas.microsoft.com/office/powerpoint/2010/main" val="4173744171"/>
       </p:ext>
     </p:extLst>
   </p:cSld>
@@ -5760,46 +6717,18 @@
             </a:br>
             <a:r>
               <a:rPr lang="de-DE" sz="3200" dirty="0"/>
-              <a:t>Deep Q-Network</a:t>
+              <a:t>DQN Model Architecture</a:t>
             </a:r>
             <a:endParaRPr lang="de-DE" dirty="0"/>
-          </a:p>
-        </p:txBody>
-      </p:sp>
-      <p:sp>
-        <p:nvSpPr>
-          <p:cNvPr id="18" name="Textplatzhalter 17">
-            <a:extLst>
-              <a:ext uri="{FF2B5EF4-FFF2-40B4-BE49-F238E27FC236}">
-                <a16:creationId xmlns:a16="http://schemas.microsoft.com/office/drawing/2014/main" id="{0FAA614D-7834-1CB6-9731-0FD2EC693BBA}"/>
-              </a:ext>
-            </a:extLst>
-          </p:cNvPr>
-          <p:cNvSpPr>
-            <a:spLocks noGrp="1"/>
-          </p:cNvSpPr>
-          <p:nvPr>
-            <p:ph type="body" idx="1"/>
-          </p:nvPr>
-        </p:nvSpPr>
-        <p:spPr/>
-        <p:txBody>
-          <a:bodyPr/>
-          <a:lstStyle/>
-          <a:p>
-            <a:r>
-              <a:rPr lang="de-DE" dirty="0"/>
-              <a:t>Pseudocode</a:t>
-            </a:r>
           </a:p>
         </p:txBody>
       </p:sp>
       <p:pic>
         <p:nvPicPr>
-          <p:cNvPr id="15" name="Inhaltsplatzhalter 14">
-            <a:extLst>
-              <a:ext uri="{FF2B5EF4-FFF2-40B4-BE49-F238E27FC236}">
-                <a16:creationId xmlns:a16="http://schemas.microsoft.com/office/drawing/2014/main" id="{311B1DF9-5203-22A9-5AE9-6B05CF943485}"/>
+          <p:cNvPr id="4" name="Content Placeholder 3">
+            <a:extLst>
+              <a:ext uri="{FF2B5EF4-FFF2-40B4-BE49-F238E27FC236}">
+                <a16:creationId xmlns:a16="http://schemas.microsoft.com/office/drawing/2014/main" id="{D6ECE6B6-BA23-644A-C873-4B7E40653505}"/>
               </a:ext>
             </a:extLst>
           </p:cNvPr>
@@ -5807,7 +6736,7 @@
             <a:picLocks noGrp="1" noChangeAspect="1"/>
           </p:cNvPicPr>
           <p:nvPr>
-            <p:ph sz="half" idx="2"/>
+            <p:ph idx="1"/>
           </p:nvPr>
         </p:nvPicPr>
         <p:blipFill>
@@ -5818,82 +6747,15 @@
         </p:blipFill>
         <p:spPr>
           <a:xfrm>
-            <a:off x="839788" y="2676919"/>
-            <a:ext cx="5157787" cy="3340900"/>
-          </a:xfrm>
-        </p:spPr>
-      </p:pic>
-      <p:sp>
-        <p:nvSpPr>
-          <p:cNvPr id="19" name="Textplatzhalter 18">
-            <a:extLst>
-              <a:ext uri="{FF2B5EF4-FFF2-40B4-BE49-F238E27FC236}">
-                <a16:creationId xmlns:a16="http://schemas.microsoft.com/office/drawing/2014/main" id="{C1B8A860-9CC2-4C50-5636-5E5569C0DF4B}"/>
-              </a:ext>
-            </a:extLst>
-          </p:cNvPr>
-          <p:cNvSpPr>
-            <a:spLocks noGrp="1"/>
-          </p:cNvSpPr>
-          <p:nvPr>
-            <p:ph type="body" sz="quarter" idx="3"/>
-          </p:nvPr>
-        </p:nvSpPr>
-        <p:spPr/>
-        <p:txBody>
-          <a:bodyPr/>
-          <a:lstStyle/>
-          <a:p>
-            <a:r>
-              <a:rPr lang="de-DE" dirty="0" err="1"/>
-              <a:t>Our</a:t>
-            </a:r>
-            <a:r>
-              <a:rPr lang="de-DE" dirty="0"/>
-              <a:t> Implementation</a:t>
-            </a:r>
-          </a:p>
-        </p:txBody>
-      </p:sp>
-      <p:pic>
-        <p:nvPicPr>
-          <p:cNvPr id="17" name="Inhaltsplatzhalter 16">
-            <a:extLst>
-              <a:ext uri="{FF2B5EF4-FFF2-40B4-BE49-F238E27FC236}">
-                <a16:creationId xmlns:a16="http://schemas.microsoft.com/office/drawing/2014/main" id="{65DA4F67-3E36-B28B-DC8D-1CF0F4B42979}"/>
-              </a:ext>
-            </a:extLst>
-          </p:cNvPr>
-          <p:cNvPicPr>
-            <a:picLocks noGrp="1" noChangeAspect="1"/>
-          </p:cNvPicPr>
-          <p:nvPr>
-            <p:ph sz="quarter" idx="4"/>
-          </p:nvPr>
-        </p:nvPicPr>
-        <p:blipFill>
-          <a:blip r:embed="rId3">
-            <a:extLst>
-              <a:ext uri="{28A0092B-C50C-407E-A947-70E740481C1C}">
-                <a14:useLocalDpi xmlns:a14="http://schemas.microsoft.com/office/drawing/2010/main" val="0"/>
-              </a:ext>
-            </a:extLst>
-          </a:blip>
-          <a:stretch>
-            <a:fillRect/>
-          </a:stretch>
-        </p:blipFill>
-        <p:spPr>
-          <a:xfrm>
-            <a:off x="6172200" y="3037611"/>
-            <a:ext cx="5183188" cy="2619515"/>
+            <a:off x="838200" y="1944870"/>
+            <a:ext cx="10515600" cy="4112847"/>
           </a:xfrm>
         </p:spPr>
       </p:pic>
     </p:spTree>
     <p:extLst>
       <p:ext uri="{BB962C8B-B14F-4D97-AF65-F5344CB8AC3E}">
-        <p14:creationId xmlns:p14="http://schemas.microsoft.com/office/powerpoint/2010/main" val="4173744171"/>
+        <p14:creationId xmlns:p14="http://schemas.microsoft.com/office/powerpoint/2010/main" val="3162902622"/>
       </p:ext>
     </p:extLst>
   </p:cSld>
@@ -5938,53 +6800,59 @@
         </p:nvSpPr>
         <p:spPr/>
         <p:txBody>
-          <a:bodyPr/>
-          <a:lstStyle/>
-          <a:p>
-            <a:r>
-              <a:rPr lang="de-DE" b="1" dirty="0"/>
-              <a:t>SINGLE-AGENT REINFORCEMENT LEARNING</a:t>
+          <a:bodyPr>
+            <a:normAutofit/>
+          </a:bodyPr>
+          <a:lstStyle/>
+          <a:p>
+            <a:r>
+              <a:rPr lang="en-US" b="1" cap="all" dirty="0"/>
+              <a:t>Extend Model to Multi-Agent RL</a:t>
             </a:r>
             <a:br>
               <a:rPr lang="de-DE" dirty="0"/>
             </a:br>
             <a:r>
               <a:rPr lang="de-DE" sz="3200" dirty="0"/>
-              <a:t>Model Architecture</a:t>
+              <a:t>In PettingZoo</a:t>
             </a:r>
             <a:endParaRPr lang="de-DE" dirty="0"/>
           </a:p>
         </p:txBody>
       </p:sp>
-      <p:sp>
-        <p:nvSpPr>
-          <p:cNvPr id="11" name="Inhaltsplatzhalter 10">
-            <a:extLst>
-              <a:ext uri="{FF2B5EF4-FFF2-40B4-BE49-F238E27FC236}">
-                <a16:creationId xmlns:a16="http://schemas.microsoft.com/office/drawing/2014/main" id="{38C2434D-4EDE-B5EF-69A0-0DBEAA52AF54}"/>
-              </a:ext>
-            </a:extLst>
-          </p:cNvPr>
-          <p:cNvSpPr>
-            <a:spLocks noGrp="1"/>
-          </p:cNvSpPr>
+      <p:pic>
+        <p:nvPicPr>
+          <p:cNvPr id="13" name="Inhaltsplatzhalter 12">
+            <a:extLst>
+              <a:ext uri="{FF2B5EF4-FFF2-40B4-BE49-F238E27FC236}">
+                <a16:creationId xmlns:a16="http://schemas.microsoft.com/office/drawing/2014/main" id="{34092DA1-4DB7-1E45-B0FF-53A140FB88C7}"/>
+              </a:ext>
+            </a:extLst>
+          </p:cNvPr>
+          <p:cNvPicPr>
+            <a:picLocks noGrp="1" noChangeAspect="1"/>
+          </p:cNvPicPr>
           <p:nvPr>
             <p:ph idx="1"/>
           </p:nvPr>
-        </p:nvSpPr>
-        <p:spPr/>
-        <p:txBody>
-          <a:bodyPr/>
-          <a:lstStyle/>
-          <a:p>
-            <a:endParaRPr lang="de-DE" dirty="0"/>
-          </a:p>
-        </p:txBody>
-      </p:sp>
+        </p:nvPicPr>
+        <p:blipFill>
+          <a:blip r:embed="rId2"/>
+          <a:stretch>
+            <a:fillRect/>
+          </a:stretch>
+        </p:blipFill>
+        <p:spPr>
+          <a:xfrm>
+            <a:off x="838200" y="2474794"/>
+            <a:ext cx="10515600" cy="2362119"/>
+          </a:xfrm>
+        </p:spPr>
+      </p:pic>
     </p:spTree>
     <p:extLst>
       <p:ext uri="{BB962C8B-B14F-4D97-AF65-F5344CB8AC3E}">
-        <p14:creationId xmlns:p14="http://schemas.microsoft.com/office/powerpoint/2010/main" val="3162902622"/>
+        <p14:creationId xmlns:p14="http://schemas.microsoft.com/office/powerpoint/2010/main" val="3372185771"/>
       </p:ext>
     </p:extLst>
   </p:cSld>
@@ -6287,4 +7155,299 @@
     </a:ext>
   </a:extLst>
 </a:theme>
+</file>
+
+<file path=ppt/theme/theme2.xml><?xml version="1.0" encoding="utf-8"?>
+<a:theme xmlns:a="http://schemas.openxmlformats.org/drawingml/2006/main" name="Office Theme">
+  <a:themeElements>
+    <a:clrScheme name="Office">
+      <a:dk1>
+        <a:sysClr val="windowText" lastClr="000000"/>
+      </a:dk1>
+      <a:lt1>
+        <a:sysClr val="window" lastClr="FFFFFF"/>
+      </a:lt1>
+      <a:dk2>
+        <a:srgbClr val="44546A"/>
+      </a:dk2>
+      <a:lt2>
+        <a:srgbClr val="E7E6E6"/>
+      </a:lt2>
+      <a:accent1>
+        <a:srgbClr val="4472C4"/>
+      </a:accent1>
+      <a:accent2>
+        <a:srgbClr val="ED7D31"/>
+      </a:accent2>
+      <a:accent3>
+        <a:srgbClr val="A5A5A5"/>
+      </a:accent3>
+      <a:accent4>
+        <a:srgbClr val="FFC000"/>
+      </a:accent4>
+      <a:accent5>
+        <a:srgbClr val="5B9BD5"/>
+      </a:accent5>
+      <a:accent6>
+        <a:srgbClr val="70AD47"/>
+      </a:accent6>
+      <a:hlink>
+        <a:srgbClr val="0563C1"/>
+      </a:hlink>
+      <a:folHlink>
+        <a:srgbClr val="954F72"/>
+      </a:folHlink>
+    </a:clrScheme>
+    <a:fontScheme name="Office">
+      <a:majorFont>
+        <a:latin typeface="Calibri Light" panose="020F0302020204030204"/>
+        <a:ea typeface=""/>
+        <a:cs typeface=""/>
+        <a:font script="Jpan" typeface="游ゴシック Light"/>
+        <a:font script="Hang" typeface="맑은 고딕"/>
+        <a:font script="Hans" typeface="等线 Light"/>
+        <a:font script="Hant" typeface="新細明體"/>
+        <a:font script="Arab" typeface="Times New Roman"/>
+        <a:font script="Hebr" typeface="Times New Roman"/>
+        <a:font script="Thai" typeface="Angsana New"/>
+        <a:font script="Ethi" typeface="Nyala"/>
+        <a:font script="Beng" typeface="Vrinda"/>
+        <a:font script="Gujr" typeface="Shruti"/>
+        <a:font script="Khmr" typeface="MoolBoran"/>
+        <a:font script="Knda" typeface="Tunga"/>
+        <a:font script="Guru" typeface="Raavi"/>
+        <a:font script="Cans" typeface="Euphemia"/>
+        <a:font script="Cher" typeface="Plantagenet Cherokee"/>
+        <a:font script="Yiii" typeface="Microsoft Yi Baiti"/>
+        <a:font script="Tibt" typeface="Microsoft Himalaya"/>
+        <a:font script="Thaa" typeface="MV Boli"/>
+        <a:font script="Deva" typeface="Mangal"/>
+        <a:font script="Telu" typeface="Gautami"/>
+        <a:font script="Taml" typeface="Latha"/>
+        <a:font script="Syrc" typeface="Estrangelo Edessa"/>
+        <a:font script="Orya" typeface="Kalinga"/>
+        <a:font script="Mlym" typeface="Kartika"/>
+        <a:font script="Laoo" typeface="DokChampa"/>
+        <a:font script="Sinh" typeface="Iskoola Pota"/>
+        <a:font script="Mong" typeface="Mongolian Baiti"/>
+        <a:font script="Viet" typeface="Times New Roman"/>
+        <a:font script="Uigh" typeface="Microsoft Uighur"/>
+        <a:font script="Geor" typeface="Sylfaen"/>
+        <a:font script="Armn" typeface="Arial"/>
+        <a:font script="Bugi" typeface="Leelawadee UI"/>
+        <a:font script="Bopo" typeface="Microsoft JhengHei"/>
+        <a:font script="Java" typeface="Javanese Text"/>
+        <a:font script="Lisu" typeface="Segoe UI"/>
+        <a:font script="Mymr" typeface="Myanmar Text"/>
+        <a:font script="Nkoo" typeface="Ebrima"/>
+        <a:font script="Olck" typeface="Nirmala UI"/>
+        <a:font script="Osma" typeface="Ebrima"/>
+        <a:font script="Phag" typeface="Phagspa"/>
+        <a:font script="Syrn" typeface="Estrangelo Edessa"/>
+        <a:font script="Syrj" typeface="Estrangelo Edessa"/>
+        <a:font script="Syre" typeface="Estrangelo Edessa"/>
+        <a:font script="Sora" typeface="Nirmala UI"/>
+        <a:font script="Tale" typeface="Microsoft Tai Le"/>
+        <a:font script="Talu" typeface="Microsoft New Tai Lue"/>
+        <a:font script="Tfng" typeface="Ebrima"/>
+      </a:majorFont>
+      <a:minorFont>
+        <a:latin typeface="Calibri" panose="020F0502020204030204"/>
+        <a:ea typeface=""/>
+        <a:cs typeface=""/>
+        <a:font script="Jpan" typeface="游ゴシック"/>
+        <a:font script="Hang" typeface="맑은 고딕"/>
+        <a:font script="Hans" typeface="等线"/>
+        <a:font script="Hant" typeface="新細明體"/>
+        <a:font script="Arab" typeface="Arial"/>
+        <a:font script="Hebr" typeface="Arial"/>
+        <a:font script="Thai" typeface="Cordia New"/>
+        <a:font script="Ethi" typeface="Nyala"/>
+        <a:font script="Beng" typeface="Vrinda"/>
+        <a:font script="Gujr" typeface="Shruti"/>
+        <a:font script="Khmr" typeface="DaunPenh"/>
+        <a:font script="Knda" typeface="Tunga"/>
+        <a:font script="Guru" typeface="Raavi"/>
+        <a:font script="Cans" typeface="Euphemia"/>
+        <a:font script="Cher" typeface="Plantagenet Cherokee"/>
+        <a:font script="Yiii" typeface="Microsoft Yi Baiti"/>
+        <a:font script="Tibt" typeface="Microsoft Himalaya"/>
+        <a:font script="Thaa" typeface="MV Boli"/>
+        <a:font script="Deva" typeface="Mangal"/>
+        <a:font script="Telu" typeface="Gautami"/>
+        <a:font script="Taml" typeface="Latha"/>
+        <a:font script="Syrc" typeface="Estrangelo Edessa"/>
+        <a:font script="Orya" typeface="Kalinga"/>
+        <a:font script="Mlym" typeface="Kartika"/>
+        <a:font script="Laoo" typeface="DokChampa"/>
+        <a:font script="Sinh" typeface="Iskoola Pota"/>
+        <a:font script="Mong" typeface="Mongolian Baiti"/>
+        <a:font script="Viet" typeface="Arial"/>
+        <a:font script="Uigh" typeface="Microsoft Uighur"/>
+        <a:font script="Geor" typeface="Sylfaen"/>
+        <a:font script="Armn" typeface="Arial"/>
+        <a:font script="Bugi" typeface="Leelawadee UI"/>
+        <a:font script="Bopo" typeface="Microsoft JhengHei"/>
+        <a:font script="Java" typeface="Javanese Text"/>
+        <a:font script="Lisu" typeface="Segoe UI"/>
+        <a:font script="Mymr" typeface="Myanmar Text"/>
+        <a:font script="Nkoo" typeface="Ebrima"/>
+        <a:font script="Olck" typeface="Nirmala UI"/>
+        <a:font script="Osma" typeface="Ebrima"/>
+        <a:font script="Phag" typeface="Phagspa"/>
+        <a:font script="Syrn" typeface="Estrangelo Edessa"/>
+        <a:font script="Syrj" typeface="Estrangelo Edessa"/>
+        <a:font script="Syre" typeface="Estrangelo Edessa"/>
+        <a:font script="Sora" typeface="Nirmala UI"/>
+        <a:font script="Tale" typeface="Microsoft Tai Le"/>
+        <a:font script="Talu" typeface="Microsoft New Tai Lue"/>
+        <a:font script="Tfng" typeface="Ebrima"/>
+      </a:minorFont>
+    </a:fontScheme>
+    <a:fmtScheme name="Office">
+      <a:fillStyleLst>
+        <a:solidFill>
+          <a:schemeClr val="phClr"/>
+        </a:solidFill>
+        <a:gradFill rotWithShape="1">
+          <a:gsLst>
+            <a:gs pos="0">
+              <a:schemeClr val="phClr">
+                <a:lumMod val="110000"/>
+                <a:satMod val="105000"/>
+                <a:tint val="67000"/>
+              </a:schemeClr>
+            </a:gs>
+            <a:gs pos="50000">
+              <a:schemeClr val="phClr">
+                <a:lumMod val="105000"/>
+                <a:satMod val="103000"/>
+                <a:tint val="73000"/>
+              </a:schemeClr>
+            </a:gs>
+            <a:gs pos="100000">
+              <a:schemeClr val="phClr">
+                <a:lumMod val="105000"/>
+                <a:satMod val="109000"/>
+                <a:tint val="81000"/>
+              </a:schemeClr>
+            </a:gs>
+          </a:gsLst>
+          <a:lin ang="5400000" scaled="0"/>
+        </a:gradFill>
+        <a:gradFill rotWithShape="1">
+          <a:gsLst>
+            <a:gs pos="0">
+              <a:schemeClr val="phClr">
+                <a:satMod val="103000"/>
+                <a:lumMod val="102000"/>
+                <a:tint val="94000"/>
+              </a:schemeClr>
+            </a:gs>
+            <a:gs pos="50000">
+              <a:schemeClr val="phClr">
+                <a:satMod val="110000"/>
+                <a:lumMod val="100000"/>
+                <a:shade val="100000"/>
+              </a:schemeClr>
+            </a:gs>
+            <a:gs pos="100000">
+              <a:schemeClr val="phClr">
+                <a:lumMod val="99000"/>
+                <a:satMod val="120000"/>
+                <a:shade val="78000"/>
+              </a:schemeClr>
+            </a:gs>
+          </a:gsLst>
+          <a:lin ang="5400000" scaled="0"/>
+        </a:gradFill>
+      </a:fillStyleLst>
+      <a:lnStyleLst>
+        <a:ln w="6350" cap="flat" cmpd="sng" algn="ctr">
+          <a:solidFill>
+            <a:schemeClr val="phClr"/>
+          </a:solidFill>
+          <a:prstDash val="solid"/>
+          <a:miter lim="800000"/>
+        </a:ln>
+        <a:ln w="12700" cap="flat" cmpd="sng" algn="ctr">
+          <a:solidFill>
+            <a:schemeClr val="phClr"/>
+          </a:solidFill>
+          <a:prstDash val="solid"/>
+          <a:miter lim="800000"/>
+        </a:ln>
+        <a:ln w="19050" cap="flat" cmpd="sng" algn="ctr">
+          <a:solidFill>
+            <a:schemeClr val="phClr"/>
+          </a:solidFill>
+          <a:prstDash val="solid"/>
+          <a:miter lim="800000"/>
+        </a:ln>
+      </a:lnStyleLst>
+      <a:effectStyleLst>
+        <a:effectStyle>
+          <a:effectLst/>
+        </a:effectStyle>
+        <a:effectStyle>
+          <a:effectLst/>
+        </a:effectStyle>
+        <a:effectStyle>
+          <a:effectLst>
+            <a:outerShdw blurRad="57150" dist="19050" dir="5400000" algn="ctr" rotWithShape="0">
+              <a:srgbClr val="000000">
+                <a:alpha val="63000"/>
+              </a:srgbClr>
+            </a:outerShdw>
+          </a:effectLst>
+        </a:effectStyle>
+      </a:effectStyleLst>
+      <a:bgFillStyleLst>
+        <a:solidFill>
+          <a:schemeClr val="phClr"/>
+        </a:solidFill>
+        <a:solidFill>
+          <a:schemeClr val="phClr">
+            <a:tint val="95000"/>
+            <a:satMod val="170000"/>
+          </a:schemeClr>
+        </a:solidFill>
+        <a:gradFill rotWithShape="1">
+          <a:gsLst>
+            <a:gs pos="0">
+              <a:schemeClr val="phClr">
+                <a:tint val="93000"/>
+                <a:satMod val="150000"/>
+                <a:shade val="98000"/>
+                <a:lumMod val="102000"/>
+              </a:schemeClr>
+            </a:gs>
+            <a:gs pos="50000">
+              <a:schemeClr val="phClr">
+                <a:tint val="98000"/>
+                <a:satMod val="130000"/>
+                <a:shade val="90000"/>
+                <a:lumMod val="103000"/>
+              </a:schemeClr>
+            </a:gs>
+            <a:gs pos="100000">
+              <a:schemeClr val="phClr">
+                <a:shade val="63000"/>
+                <a:satMod val="120000"/>
+              </a:schemeClr>
+            </a:gs>
+          </a:gsLst>
+          <a:lin ang="5400000" scaled="0"/>
+        </a:gradFill>
+      </a:bgFillStyleLst>
+    </a:fmtScheme>
+  </a:themeElements>
+  <a:objectDefaults/>
+  <a:extraClrSchemeLst/>
+  <a:extLst>
+    <a:ext uri="{05A4C25C-085E-4340-85A3-A5531E510DB2}">
+      <thm15:themeFamily xmlns:thm15="http://schemas.microsoft.com/office/thememl/2012/main" name="Office Theme" id="{62F939B6-93AF-4DB8-9C6B-D6C7DFDC589F}" vid="{4A3C46E8-61CC-4603-A589-7422A47A8E4A}"/>
+    </a:ext>
+  </a:extLst>
+</a:theme>
 </file>